--- a/Bai 8/Lập trình multithread.pptx
+++ b/Bai 8/Lập trình multithread.pptx
@@ -5,29 +5,30 @@
     <p:sldMasterId id="2147483648" r:id="rId1"/>
   </p:sldMasterIdLst>
   <p:notesMasterIdLst>
-    <p:notesMasterId r:id="rId19"/>
+    <p:notesMasterId r:id="rId20"/>
   </p:notesMasterIdLst>
   <p:handoutMasterIdLst>
-    <p:handoutMasterId r:id="rId20"/>
+    <p:handoutMasterId r:id="rId21"/>
   </p:handoutMasterIdLst>
   <p:sldIdLst>
     <p:sldId id="256" r:id="rId2"/>
     <p:sldId id="259" r:id="rId3"/>
-    <p:sldId id="260" r:id="rId4"/>
-    <p:sldId id="261" r:id="rId5"/>
-    <p:sldId id="262" r:id="rId6"/>
-    <p:sldId id="263" r:id="rId7"/>
-    <p:sldId id="265" r:id="rId8"/>
-    <p:sldId id="264" r:id="rId9"/>
-    <p:sldId id="266" r:id="rId10"/>
-    <p:sldId id="270" r:id="rId11"/>
-    <p:sldId id="267" r:id="rId12"/>
-    <p:sldId id="271" r:id="rId13"/>
-    <p:sldId id="268" r:id="rId14"/>
-    <p:sldId id="272" r:id="rId15"/>
-    <p:sldId id="273" r:id="rId16"/>
-    <p:sldId id="269" r:id="rId17"/>
-    <p:sldId id="258" r:id="rId18"/>
+    <p:sldId id="274" r:id="rId4"/>
+    <p:sldId id="260" r:id="rId5"/>
+    <p:sldId id="261" r:id="rId6"/>
+    <p:sldId id="262" r:id="rId7"/>
+    <p:sldId id="263" r:id="rId8"/>
+    <p:sldId id="265" r:id="rId9"/>
+    <p:sldId id="264" r:id="rId10"/>
+    <p:sldId id="266" r:id="rId11"/>
+    <p:sldId id="270" r:id="rId12"/>
+    <p:sldId id="267" r:id="rId13"/>
+    <p:sldId id="271" r:id="rId14"/>
+    <p:sldId id="268" r:id="rId15"/>
+    <p:sldId id="272" r:id="rId16"/>
+    <p:sldId id="273" r:id="rId17"/>
+    <p:sldId id="269" r:id="rId18"/>
+    <p:sldId id="258" r:id="rId19"/>
   </p:sldIdLst>
   <p:sldSz cx="9144000" cy="5143500" type="screen16x9"/>
   <p:notesSz cx="6858000" cy="9144000"/>
@@ -227,7 +228,7 @@
           <a:p>
             <a:fld id="{9DF6B2F8-E390-BD4F-9ACD-789C35D23CE3}" type="datetimeFigureOut">
               <a:rPr lang="en-US" smtClean="0"/>
-              <a:t>10/4/2019</a:t>
+              <a:t>7/19/2020</a:t>
             </a:fld>
             <a:endParaRPr lang="en-US"/>
           </a:p>
@@ -393,7 +394,7 @@
           <a:p>
             <a:fld id="{79FF8F81-D7B9-424E-B993-6D09B3871A4E}" type="datetimeFigureOut">
               <a:rPr lang="en-US" smtClean="0"/>
-              <a:t>10/4/2019</a:t>
+              <a:t>7/19/2020</a:t>
             </a:fld>
             <a:endParaRPr lang="en-US"/>
           </a:p>
@@ -999,7 +1000,7 @@
           <a:p>
             <a:fld id="{2B3067B3-3AE6-DD4A-9E3D-C999AB3971A1}" type="slidenum">
               <a:rPr lang="en-US" smtClean="0"/>
-              <a:t>3</a:t>
+              <a:t>4</a:t>
             </a:fld>
             <a:endParaRPr lang="en-US"/>
           </a:p>
@@ -1163,7 +1164,7 @@
           <a:p>
             <a:fld id="{2B3067B3-3AE6-DD4A-9E3D-C999AB3971A1}" type="slidenum">
               <a:rPr lang="en-US" smtClean="0"/>
-              <a:t>9</a:t>
+              <a:t>10</a:t>
             </a:fld>
             <a:endParaRPr lang="en-US"/>
           </a:p>
@@ -1271,7 +1272,7 @@
           <a:p>
             <a:fld id="{2B3067B3-3AE6-DD4A-9E3D-C999AB3971A1}" type="slidenum">
               <a:rPr lang="en-US" smtClean="0"/>
-              <a:t>14</a:t>
+              <a:t>15</a:t>
             </a:fld>
             <a:endParaRPr lang="en-US"/>
           </a:p>
@@ -1355,7 +1356,7 @@
           <a:p>
             <a:fld id="{2B3067B3-3AE6-DD4A-9E3D-C999AB3971A1}" type="slidenum">
               <a:rPr lang="en-US" smtClean="0"/>
-              <a:t>17</a:t>
+              <a:t>18</a:t>
             </a:fld>
             <a:endParaRPr lang="en-US"/>
           </a:p>
@@ -1595,7 +1596,7 @@
           <a:p>
             <a:fld id="{7F3FBE28-58BC-4486-9A8E-6C1F0E326EAB}" type="datetime1">
               <a:rPr lang="en-US" smtClean="0"/>
-              <a:t>10/4/2019</a:t>
+              <a:t>7/19/2020</a:t>
             </a:fld>
             <a:endParaRPr lang="en-US"/>
           </a:p>
@@ -1781,7 +1782,7 @@
           <a:p>
             <a:fld id="{AE5B28C3-1882-4E84-9C82-23BA74B52008}" type="datetime1">
               <a:rPr lang="en-US" smtClean="0"/>
-              <a:t>10/4/2019</a:t>
+              <a:t>7/19/2020</a:t>
             </a:fld>
             <a:endParaRPr lang="en-US"/>
           </a:p>
@@ -1965,7 +1966,7 @@
           <a:p>
             <a:fld id="{945B1917-4DD8-41D3-93A0-974B9DFBBCBF}" type="datetime1">
               <a:rPr lang="en-US" smtClean="0"/>
-              <a:t>10/4/2019</a:t>
+              <a:t>7/19/2020</a:t>
             </a:fld>
             <a:endParaRPr lang="en-US"/>
           </a:p>
@@ -2184,7 +2185,7 @@
           <a:p>
             <a:fld id="{403BB6E5-7AA4-4C0D-BF97-BDC69083DBC9}" type="datetime1">
               <a:rPr lang="en-US" smtClean="0"/>
-              <a:t>10/4/2019</a:t>
+              <a:t>7/19/2020</a:t>
             </a:fld>
             <a:endParaRPr lang="en-US"/>
           </a:p>
@@ -2441,7 +2442,7 @@
           <a:p>
             <a:fld id="{5E5BBB4B-2F94-4F11-9AD4-28D0EBD25231}" type="datetime1">
               <a:rPr lang="en-US" smtClean="0"/>
-              <a:t>10/4/2019</a:t>
+              <a:t>7/19/2020</a:t>
             </a:fld>
             <a:endParaRPr lang="en-US"/>
           </a:p>
@@ -2740,7 +2741,7 @@
           <a:p>
             <a:fld id="{B79A5478-161F-4B28-93E5-DE9BF6B2D5E2}" type="datetime1">
               <a:rPr lang="en-US" smtClean="0"/>
-              <a:t>10/4/2019</a:t>
+              <a:t>7/19/2020</a:t>
             </a:fld>
             <a:endParaRPr lang="en-US"/>
           </a:p>
@@ -3178,7 +3179,7 @@
           <a:p>
             <a:fld id="{30E38055-F1C9-4AC4-B9E3-476EF82AD4CC}" type="datetime1">
               <a:rPr lang="en-US" smtClean="0"/>
-              <a:t>10/4/2019</a:t>
+              <a:t>7/19/2020</a:t>
             </a:fld>
             <a:endParaRPr lang="en-US"/>
           </a:p>
@@ -3307,7 +3308,7 @@
           <a:p>
             <a:fld id="{39D9E8B6-A1D4-4191-8D54-A8260B6A1972}" type="datetime1">
               <a:rPr lang="en-US" smtClean="0"/>
-              <a:t>10/4/2019</a:t>
+              <a:t>7/19/2020</a:t>
             </a:fld>
             <a:endParaRPr lang="en-US"/>
           </a:p>
@@ -3413,7 +3414,7 @@
           <a:p>
             <a:fld id="{924C1980-AF69-46D2-A9FE-14E6E6C939BE}" type="datetime1">
               <a:rPr lang="en-US" smtClean="0"/>
-              <a:t>10/4/2019</a:t>
+              <a:t>7/19/2020</a:t>
             </a:fld>
             <a:endParaRPr lang="en-US"/>
           </a:p>
@@ -3684,7 +3685,7 @@
           <a:p>
             <a:fld id="{AAA33C03-0194-466F-B287-AA772F5566B9}" type="datetime1">
               <a:rPr lang="en-US" smtClean="0"/>
-              <a:t>10/4/2019</a:t>
+              <a:t>7/19/2020</a:t>
             </a:fld>
             <a:endParaRPr lang="en-US"/>
           </a:p>
@@ -3950,7 +3951,7 @@
           <a:p>
             <a:fld id="{D31FF56F-D32E-44F3-A5D6-9F4533FAF9BD}" type="datetime1">
               <a:rPr lang="en-US" smtClean="0"/>
-              <a:t>10/4/2019</a:t>
+              <a:t>7/19/2020</a:t>
             </a:fld>
             <a:endParaRPr lang="en-US"/>
           </a:p>
@@ -4197,7 +4198,7 @@
           <a:p>
             <a:fld id="{0289C729-EC9D-4075-8A00-DCB3B3221814}" type="datetime1">
               <a:rPr lang="en-US" smtClean="0"/>
-              <a:t>10/4/2019</a:t>
+              <a:t>7/19/2020</a:t>
             </a:fld>
             <a:endParaRPr lang="en-US"/>
           </a:p>
@@ -4803,184 +4804,51 @@
         <p:spPr/>
         <p:txBody>
           <a:bodyPr>
-            <a:normAutofit fontScale="92500"/>
+            <a:normAutofit/>
           </a:bodyPr>
           <a:lstStyle/>
           <a:p>
             <a:r>
+              <a:rPr lang="en-US" dirty="0" err="1"/>
+              <a:t>Chỉ</a:t>
+            </a:r>
+            <a:r>
+              <a:rPr lang="en-US" dirty="0"/>
+              <a:t> có </a:t>
+            </a:r>
+            <a:r>
+              <a:rPr lang="en-US" dirty="0" err="1"/>
+              <a:t>một</a:t>
+            </a:r>
+            <a:r>
+              <a:rPr lang="en-US" dirty="0"/>
+              <a:t> khóa </a:t>
+            </a:r>
+            <a:r>
+              <a:rPr lang="en-US" dirty="0" err="1"/>
+              <a:t>duy</a:t>
+            </a:r>
+            <a:r>
+              <a:rPr lang="en-US" dirty="0"/>
+              <a:t> </a:t>
+            </a:r>
+            <a:r>
+              <a:rPr lang="en-US" dirty="0" err="1"/>
+              <a:t>nhất</a:t>
+            </a:r>
+            <a:r>
               <a:rPr lang="en-US" dirty="0" smtClean="0"/>
-              <a:t>Function:</a:t>
-            </a:r>
-          </a:p>
-          <a:p>
-            <a:pPr lvl="1"/>
-            <a:r>
-              <a:rPr lang="en-US" dirty="0"/>
-              <a:t>int </a:t>
-            </a:r>
-            <a:r>
-              <a:rPr lang="en-US" dirty="0" err="1"/>
-              <a:t>pthread_mutex_init</a:t>
-            </a:r>
-            <a:r>
-              <a:rPr lang="en-US" dirty="0"/>
-              <a:t>(</a:t>
-            </a:r>
-            <a:r>
-              <a:rPr lang="en-US" dirty="0" err="1"/>
-              <a:t>pthread_mutex_t</a:t>
-            </a:r>
-            <a:r>
-              <a:rPr lang="en-US" dirty="0"/>
-              <a:t> *restrict </a:t>
-            </a:r>
-            <a:r>
-              <a:rPr lang="en-US" dirty="0" err="1"/>
-              <a:t>mutex</a:t>
-            </a:r>
-            <a:r>
-              <a:rPr lang="en-US" dirty="0"/>
-              <a:t>, const </a:t>
-            </a:r>
-            <a:r>
-              <a:rPr lang="en-US" dirty="0" err="1"/>
-              <a:t>pthread_mutexattr_t</a:t>
-            </a:r>
-            <a:r>
-              <a:rPr lang="en-US" dirty="0"/>
-              <a:t> *restrict </a:t>
-            </a:r>
-            <a:r>
-              <a:rPr lang="en-US" dirty="0" err="1"/>
-              <a:t>attr</a:t>
-            </a:r>
-            <a:r>
-              <a:rPr lang="en-US" dirty="0" smtClean="0"/>
-              <a:t>)</a:t>
-            </a:r>
-          </a:p>
-          <a:p>
-            <a:pPr lvl="1"/>
-            <a:r>
-              <a:rPr lang="en-US" dirty="0"/>
-              <a:t>int </a:t>
-            </a:r>
-            <a:r>
-              <a:rPr lang="en-US" dirty="0" err="1"/>
-              <a:t>pthread_mutex_destroy</a:t>
-            </a:r>
-            <a:r>
-              <a:rPr lang="en-US" dirty="0"/>
-              <a:t>(</a:t>
-            </a:r>
-            <a:r>
-              <a:rPr lang="en-US" dirty="0" err="1"/>
-              <a:t>pthread_mutex_t</a:t>
-            </a:r>
-            <a:r>
-              <a:rPr lang="en-US" dirty="0"/>
-              <a:t> *</a:t>
-            </a:r>
-            <a:r>
-              <a:rPr lang="en-US" dirty="0" err="1"/>
-              <a:t>mutex</a:t>
-            </a:r>
-            <a:r>
-              <a:rPr lang="en-US" dirty="0" smtClean="0"/>
-              <a:t>)</a:t>
-            </a:r>
-          </a:p>
-          <a:p>
-            <a:pPr lvl="1"/>
-            <a:r>
-              <a:rPr lang="en-US" dirty="0"/>
-              <a:t>int </a:t>
-            </a:r>
-            <a:r>
-              <a:rPr lang="en-US" dirty="0" err="1"/>
-              <a:t>pthread_mutex_lock</a:t>
-            </a:r>
-            <a:r>
-              <a:rPr lang="en-US" dirty="0"/>
-              <a:t>(</a:t>
-            </a:r>
-            <a:r>
-              <a:rPr lang="en-US" dirty="0" err="1"/>
-              <a:t>pthread_mutex_t</a:t>
-            </a:r>
-            <a:r>
-              <a:rPr lang="en-US" dirty="0"/>
-              <a:t> *</a:t>
-            </a:r>
-            <a:r>
-              <a:rPr lang="en-US" dirty="0" err="1"/>
-              <a:t>mutex</a:t>
-            </a:r>
-            <a:r>
-              <a:rPr lang="en-US" dirty="0" smtClean="0"/>
-              <a:t>)</a:t>
-            </a:r>
-          </a:p>
-          <a:p>
-            <a:pPr lvl="1"/>
-            <a:r>
-              <a:rPr lang="en-US" dirty="0"/>
-              <a:t>int </a:t>
-            </a:r>
-            <a:r>
-              <a:rPr lang="en-US" dirty="0" err="1"/>
-              <a:t>pthread_mutex_unlock</a:t>
-            </a:r>
-            <a:r>
-              <a:rPr lang="en-US" dirty="0"/>
-              <a:t>(</a:t>
-            </a:r>
-            <a:r>
-              <a:rPr lang="en-US" dirty="0" err="1"/>
-              <a:t>pthread_mutex_t</a:t>
-            </a:r>
-            <a:r>
-              <a:rPr lang="en-US" dirty="0"/>
-              <a:t> *</a:t>
-            </a:r>
-            <a:r>
-              <a:rPr lang="en-US" dirty="0" err="1"/>
-              <a:t>mutex</a:t>
-            </a:r>
-            <a:r>
-              <a:rPr lang="en-US" dirty="0" smtClean="0"/>
-              <a:t>)</a:t>
-            </a:r>
-          </a:p>
-          <a:p>
-            <a:pPr lvl="1"/>
-            <a:r>
-              <a:rPr lang="en-US" dirty="0"/>
-              <a:t>int </a:t>
-            </a:r>
-            <a:r>
-              <a:rPr lang="en-US" dirty="0" err="1"/>
-              <a:t>pthread_mutex_trylock</a:t>
-            </a:r>
-            <a:r>
-              <a:rPr lang="en-US" dirty="0"/>
-              <a:t>(</a:t>
-            </a:r>
-            <a:r>
-              <a:rPr lang="en-US" dirty="0" err="1"/>
-              <a:t>pthread_mutex_t</a:t>
-            </a:r>
-            <a:r>
-              <a:rPr lang="en-US" dirty="0"/>
-              <a:t> *</a:t>
-            </a:r>
-            <a:r>
-              <a:rPr lang="en-US" dirty="0" err="1"/>
-              <a:t>mutex</a:t>
-            </a:r>
-            <a:r>
-              <a:rPr lang="en-US" dirty="0"/>
-              <a:t>);</a:t>
+              <a:t>.</a:t>
+            </a:r>
+          </a:p>
+          <a:p>
+            <a:r>
+              <a:rPr lang="vi-VN" dirty="0"/>
+              <a:t>Trong một thời điểm chỉ 1 thread có được </a:t>
+            </a:r>
+            <a:r>
+              <a:rPr lang="vi-VN" dirty="0" smtClean="0"/>
+              <a:t>khóa</a:t>
             </a:r>
             <a:endParaRPr lang="en-US" dirty="0" smtClean="0"/>
           </a:p>
@@ -5019,12 +4887,7 @@
             <p:ph type="sldNum" sz="quarter" idx="12"/>
           </p:nvPr>
         </p:nvSpPr>
-        <p:spPr>
-          <a:xfrm>
-            <a:off x="6559778" y="4773841"/>
-            <a:ext cx="2133600" cy="273844"/>
-          </a:xfrm>
-        </p:spPr>
+        <p:spPr/>
         <p:txBody>
           <a:bodyPr/>
           <a:lstStyle/>
@@ -5037,10 +4900,34 @@
           </a:p>
         </p:txBody>
       </p:sp>
+      <p:pic>
+        <p:nvPicPr>
+          <p:cNvPr id="6" name="Picture 5"/>
+          <p:cNvPicPr>
+            <a:picLocks noChangeAspect="1"/>
+          </p:cNvPicPr>
+          <p:nvPr/>
+        </p:nvPicPr>
+        <p:blipFill>
+          <a:blip r:embed="rId3"/>
+          <a:stretch>
+            <a:fillRect/>
+          </a:stretch>
+        </p:blipFill>
+        <p:spPr>
+          <a:xfrm>
+            <a:off x="2874889" y="2000544"/>
+            <a:ext cx="3004916" cy="2690518"/>
+          </a:xfrm>
+          <a:prstGeom prst="rect">
+            <a:avLst/>
+          </a:prstGeom>
+        </p:spPr>
+      </p:pic>
     </p:spTree>
     <p:extLst>
       <p:ext uri="{BB962C8B-B14F-4D97-AF65-F5344CB8AC3E}">
-        <p14:creationId xmlns:p14="http://schemas.microsoft.com/office/powerpoint/2010/main" val="2343169435"/>
+        <p14:creationId xmlns:p14="http://schemas.microsoft.com/office/powerpoint/2010/main" val="1939544784"/>
       </p:ext>
     </p:extLst>
   </p:cSld>
@@ -5091,15 +4978,7 @@
           <a:p>
             <a:r>
               <a:rPr lang="en-US" dirty="0" err="1"/>
-              <a:t>Thực</a:t>
-            </a:r>
-            <a:r>
-              <a:rPr lang="en-US" dirty="0"/>
-              <a:t> </a:t>
-            </a:r>
-            <a:r>
-              <a:rPr lang="en-US" dirty="0" err="1"/>
-              <a:t>hành</a:t>
+              <a:t>Mutex</a:t>
             </a:r>
             <a:endParaRPr lang="en-US" dirty="0"/>
           </a:p>
@@ -5117,26 +4996,188 @@
         </p:nvSpPr>
         <p:spPr/>
         <p:txBody>
-          <a:bodyPr/>
-          <a:lstStyle/>
-          <a:p>
-            <a:r>
-              <a:rPr lang="vi-VN" dirty="0"/>
-              <a:t>Viết chương trình C tạo 2 thread, cả 2 thread lần lượt tăng biến đó lên 1 đơn vị, sử dụng mutex để đồng bộ việc ghi vào biến đó</a:t>
-            </a:r>
-            <a:r>
-              <a:rPr lang="vi-VN" dirty="0" smtClean="0"/>
-              <a:t>.</a:t>
+          <a:bodyPr>
+            <a:normAutofit fontScale="92500"/>
+          </a:bodyPr>
+          <a:lstStyle/>
+          <a:p>
+            <a:r>
+              <a:rPr lang="en-US" dirty="0" smtClean="0"/>
+              <a:t>Function:</a:t>
+            </a:r>
+          </a:p>
+          <a:p>
+            <a:pPr lvl="1"/>
+            <a:r>
+              <a:rPr lang="en-US" dirty="0"/>
+              <a:t>int </a:t>
+            </a:r>
+            <a:r>
+              <a:rPr lang="en-US" dirty="0" err="1"/>
+              <a:t>pthread_mutex_init</a:t>
+            </a:r>
+            <a:r>
+              <a:rPr lang="en-US" dirty="0"/>
+              <a:t>(</a:t>
+            </a:r>
+            <a:r>
+              <a:rPr lang="en-US" dirty="0" err="1"/>
+              <a:t>pthread_mutex_t</a:t>
+            </a:r>
+            <a:r>
+              <a:rPr lang="en-US" dirty="0"/>
+              <a:t> *restrict </a:t>
+            </a:r>
+            <a:r>
+              <a:rPr lang="en-US" dirty="0" err="1"/>
+              <a:t>mutex</a:t>
+            </a:r>
+            <a:r>
+              <a:rPr lang="en-US" dirty="0"/>
+              <a:t>, const </a:t>
+            </a:r>
+            <a:r>
+              <a:rPr lang="en-US" dirty="0" err="1"/>
+              <a:t>pthread_mutexattr_t</a:t>
+            </a:r>
+            <a:r>
+              <a:rPr lang="en-US" dirty="0"/>
+              <a:t> *restrict </a:t>
+            </a:r>
+            <a:r>
+              <a:rPr lang="en-US" dirty="0" err="1"/>
+              <a:t>attr</a:t>
+            </a:r>
+            <a:r>
+              <a:rPr lang="en-US" dirty="0" smtClean="0"/>
+              <a:t>)</a:t>
+            </a:r>
+          </a:p>
+          <a:p>
+            <a:pPr lvl="1"/>
+            <a:r>
+              <a:rPr lang="en-US" dirty="0"/>
+              <a:t>int </a:t>
+            </a:r>
+            <a:r>
+              <a:rPr lang="en-US" dirty="0" err="1"/>
+              <a:t>pthread_mutex_destroy</a:t>
+            </a:r>
+            <a:r>
+              <a:rPr lang="en-US" dirty="0"/>
+              <a:t>(</a:t>
+            </a:r>
+            <a:r>
+              <a:rPr lang="en-US" dirty="0" err="1"/>
+              <a:t>pthread_mutex_t</a:t>
+            </a:r>
+            <a:r>
+              <a:rPr lang="en-US" dirty="0"/>
+              <a:t> *</a:t>
+            </a:r>
+            <a:r>
+              <a:rPr lang="en-US" dirty="0" err="1"/>
+              <a:t>mutex</a:t>
+            </a:r>
+            <a:r>
+              <a:rPr lang="en-US" dirty="0" smtClean="0"/>
+              <a:t>)</a:t>
+            </a:r>
+          </a:p>
+          <a:p>
+            <a:pPr lvl="1"/>
+            <a:r>
+              <a:rPr lang="en-US" dirty="0"/>
+              <a:t>int </a:t>
+            </a:r>
+            <a:r>
+              <a:rPr lang="en-US" dirty="0" err="1"/>
+              <a:t>pthread_mutex_lock</a:t>
+            </a:r>
+            <a:r>
+              <a:rPr lang="en-US" dirty="0"/>
+              <a:t>(</a:t>
+            </a:r>
+            <a:r>
+              <a:rPr lang="en-US" dirty="0" err="1"/>
+              <a:t>pthread_mutex_t</a:t>
+            </a:r>
+            <a:r>
+              <a:rPr lang="en-US" dirty="0"/>
+              <a:t> *</a:t>
+            </a:r>
+            <a:r>
+              <a:rPr lang="en-US" dirty="0" err="1"/>
+              <a:t>mutex</a:t>
+            </a:r>
+            <a:r>
+              <a:rPr lang="en-US" dirty="0" smtClean="0"/>
+              <a:t>)</a:t>
+            </a:r>
+          </a:p>
+          <a:p>
+            <a:pPr lvl="1"/>
+            <a:r>
+              <a:rPr lang="en-US" dirty="0"/>
+              <a:t>int </a:t>
+            </a:r>
+            <a:r>
+              <a:rPr lang="en-US" dirty="0" err="1"/>
+              <a:t>pthread_mutex_unlock</a:t>
+            </a:r>
+            <a:r>
+              <a:rPr lang="en-US" dirty="0"/>
+              <a:t>(</a:t>
+            </a:r>
+            <a:r>
+              <a:rPr lang="en-US" dirty="0" err="1"/>
+              <a:t>pthread_mutex_t</a:t>
+            </a:r>
+            <a:r>
+              <a:rPr lang="en-US" dirty="0"/>
+              <a:t> *</a:t>
+            </a:r>
+            <a:r>
+              <a:rPr lang="en-US" dirty="0" err="1"/>
+              <a:t>mutex</a:t>
+            </a:r>
+            <a:r>
+              <a:rPr lang="en-US" dirty="0" smtClean="0"/>
+              <a:t>)</a:t>
+            </a:r>
+          </a:p>
+          <a:p>
+            <a:pPr lvl="1"/>
+            <a:r>
+              <a:rPr lang="en-US" dirty="0"/>
+              <a:t>int </a:t>
+            </a:r>
+            <a:r>
+              <a:rPr lang="en-US" dirty="0" err="1"/>
+              <a:t>pthread_mutex_trylock</a:t>
+            </a:r>
+            <a:r>
+              <a:rPr lang="en-US" dirty="0"/>
+              <a:t>(</a:t>
+            </a:r>
+            <a:r>
+              <a:rPr lang="en-US" dirty="0" err="1"/>
+              <a:t>pthread_mutex_t</a:t>
+            </a:r>
+            <a:r>
+              <a:rPr lang="en-US" dirty="0"/>
+              <a:t> *</a:t>
+            </a:r>
+            <a:r>
+              <a:rPr lang="en-US" dirty="0" err="1"/>
+              <a:t>mutex</a:t>
+            </a:r>
+            <a:r>
+              <a:rPr lang="en-US" dirty="0"/>
+              <a:t>);</a:t>
             </a:r>
             <a:endParaRPr lang="en-US" dirty="0" smtClean="0"/>
           </a:p>
-          <a:p>
-            <a:r>
-              <a:rPr lang="vi-VN" dirty="0"/>
-              <a:t>Viết 1 chương trình C tạo ra 2 thread, 2 thread đều ghi vào chung 1 file, sử dụng mutex để bảo vệ file, nên sử dụng wrapper function thay cho hàm ghi file thông thường.</a:t>
-            </a:r>
-            <a:endParaRPr lang="en-US" dirty="0"/>
-          </a:p>
         </p:txBody>
       </p:sp>
       <p:sp>
@@ -5172,7 +5213,12 @@
             <p:ph type="sldNum" sz="quarter" idx="12"/>
           </p:nvPr>
         </p:nvSpPr>
-        <p:spPr/>
+        <p:spPr>
+          <a:xfrm>
+            <a:off x="6559778" y="4773841"/>
+            <a:ext cx="2133600" cy="273844"/>
+          </a:xfrm>
+        </p:spPr>
         <p:txBody>
           <a:bodyPr/>
           <a:lstStyle/>
@@ -5188,7 +5234,7 @@
     </p:spTree>
     <p:extLst>
       <p:ext uri="{BB962C8B-B14F-4D97-AF65-F5344CB8AC3E}">
-        <p14:creationId xmlns:p14="http://schemas.microsoft.com/office/powerpoint/2010/main" val="948376961"/>
+        <p14:creationId xmlns:p14="http://schemas.microsoft.com/office/powerpoint/2010/main" val="2343169435"/>
       </p:ext>
     </p:extLst>
   </p:cSld>
@@ -5238,9 +5284,18 @@
           <a:lstStyle/>
           <a:p>
             <a:r>
-              <a:rPr lang="en-US" dirty="0"/>
-              <a:t>Dead lock</a:t>
-            </a:r>
+              <a:rPr lang="en-US" dirty="0" err="1"/>
+              <a:t>Thực</a:t>
+            </a:r>
+            <a:r>
+              <a:rPr lang="en-US" dirty="0"/>
+              <a:t> </a:t>
+            </a:r>
+            <a:r>
+              <a:rPr lang="en-US" dirty="0" err="1"/>
+              <a:t>hành</a:t>
+            </a:r>
+            <a:endParaRPr lang="en-US" dirty="0"/>
           </a:p>
         </p:txBody>
       </p:sp>
@@ -5256,290 +5311,23 @@
         </p:nvSpPr>
         <p:spPr/>
         <p:txBody>
-          <a:bodyPr>
-            <a:normAutofit fontScale="92500" lnSpcReduction="10000"/>
-          </a:bodyPr>
-          <a:lstStyle/>
-          <a:p>
-            <a:r>
-              <a:rPr lang="en-US" dirty="0"/>
-              <a:t>Là </a:t>
-            </a:r>
-            <a:r>
-              <a:rPr lang="en-US" dirty="0" err="1"/>
-              <a:t>trạng</a:t>
-            </a:r>
-            <a:r>
-              <a:rPr lang="en-US" dirty="0"/>
-              <a:t> </a:t>
-            </a:r>
-            <a:r>
-              <a:rPr lang="en-US" dirty="0" err="1"/>
-              <a:t>thái</a:t>
-            </a:r>
-            <a:r>
-              <a:rPr lang="en-US" dirty="0"/>
-              <a:t> trong </a:t>
-            </a:r>
-            <a:r>
-              <a:rPr lang="en-US" dirty="0" err="1"/>
-              <a:t>hệ</a:t>
-            </a:r>
-            <a:r>
-              <a:rPr lang="en-US" dirty="0"/>
-              <a:t> </a:t>
-            </a:r>
-            <a:r>
-              <a:rPr lang="en-US" dirty="0" err="1"/>
-              <a:t>thống</a:t>
-            </a:r>
-            <a:r>
-              <a:rPr lang="en-US" dirty="0"/>
-              <a:t> có 2 </a:t>
-            </a:r>
-            <a:r>
-              <a:rPr lang="en-US" dirty="0" err="1"/>
-              <a:t>hoặc</a:t>
-            </a:r>
-            <a:r>
-              <a:rPr lang="en-US" dirty="0"/>
-              <a:t> </a:t>
-            </a:r>
-            <a:r>
-              <a:rPr lang="en-US" dirty="0" err="1"/>
-              <a:t>nhiều</a:t>
-            </a:r>
-            <a:r>
-              <a:rPr lang="en-US" dirty="0"/>
-              <a:t> </a:t>
-            </a:r>
-            <a:r>
-              <a:rPr lang="en-US" dirty="0" err="1"/>
-              <a:t>luồng</a:t>
-            </a:r>
-            <a:r>
-              <a:rPr lang="en-US" dirty="0"/>
-              <a:t> </a:t>
-            </a:r>
-            <a:r>
-              <a:rPr lang="en-US" dirty="0" err="1"/>
-              <a:t>xử</a:t>
-            </a:r>
-            <a:r>
-              <a:rPr lang="en-US" dirty="0"/>
-              <a:t> </a:t>
-            </a:r>
-            <a:r>
-              <a:rPr lang="en-US" dirty="0" err="1"/>
-              <a:t>lý</a:t>
-            </a:r>
-            <a:r>
-              <a:rPr lang="en-US" dirty="0"/>
-              <a:t> </a:t>
-            </a:r>
-            <a:r>
-              <a:rPr lang="en-US" dirty="0" err="1"/>
-              <a:t>đi</a:t>
-            </a:r>
-            <a:r>
-              <a:rPr lang="en-US" dirty="0"/>
-              <a:t> </a:t>
-            </a:r>
-            <a:r>
-              <a:rPr lang="en-US" dirty="0" err="1"/>
-              <a:t>vào</a:t>
-            </a:r>
-            <a:r>
-              <a:rPr lang="en-US" dirty="0"/>
-              <a:t> </a:t>
-            </a:r>
-            <a:r>
-              <a:rPr lang="en-US" dirty="0" err="1"/>
-              <a:t>vòng</a:t>
-            </a:r>
-            <a:r>
-              <a:rPr lang="en-US" dirty="0"/>
-              <a:t> </a:t>
-            </a:r>
-            <a:r>
-              <a:rPr lang="en-US" dirty="0" err="1"/>
-              <a:t>lặp</a:t>
-            </a:r>
-            <a:r>
-              <a:rPr lang="en-US" dirty="0"/>
-              <a:t> </a:t>
-            </a:r>
-            <a:r>
-              <a:rPr lang="en-US" dirty="0" err="1"/>
-              <a:t>vô</a:t>
-            </a:r>
-            <a:r>
-              <a:rPr lang="en-US" dirty="0"/>
-              <a:t> </a:t>
-            </a:r>
-            <a:r>
-              <a:rPr lang="en-US" dirty="0" err="1"/>
-              <a:t>tận</a:t>
-            </a:r>
-            <a:r>
-              <a:rPr lang="en-US" dirty="0"/>
-              <a:t> để </a:t>
-            </a:r>
-            <a:r>
-              <a:rPr lang="en-US" dirty="0" err="1"/>
-              <a:t>chờ</a:t>
-            </a:r>
-            <a:r>
-              <a:rPr lang="en-US" dirty="0"/>
-              <a:t> đợi </a:t>
-            </a:r>
-            <a:r>
-              <a:rPr lang="en-US" dirty="0" err="1"/>
-              <a:t>tài</a:t>
-            </a:r>
-            <a:r>
-              <a:rPr lang="en-US" dirty="0"/>
-              <a:t> </a:t>
-            </a:r>
-            <a:r>
-              <a:rPr lang="en-US" dirty="0" err="1"/>
-              <a:t>nguyên</a:t>
-            </a:r>
-            <a:r>
-              <a:rPr lang="en-US" dirty="0"/>
-              <a:t> của </a:t>
-            </a:r>
-            <a:r>
-              <a:rPr lang="en-US" dirty="0" err="1"/>
-              <a:t>nhau</a:t>
-            </a:r>
-            <a:r>
-              <a:rPr lang="en-US" dirty="0" smtClean="0"/>
+          <a:bodyPr/>
+          <a:lstStyle/>
+          <a:p>
+            <a:r>
+              <a:rPr lang="vi-VN" dirty="0"/>
+              <a:t>Viết chương trình C tạo 2 thread, cả 2 thread lần lượt tăng biến đó lên 1 đơn vị, sử dụng mutex để đồng bộ việc ghi vào biến đó</a:t>
+            </a:r>
+            <a:r>
+              <a:rPr lang="vi-VN" dirty="0" smtClean="0"/>
               <a:t>.</a:t>
             </a:r>
-          </a:p>
-          <a:p>
-            <a:r>
-              <a:rPr lang="en-US" dirty="0"/>
-              <a:t>Có </a:t>
-            </a:r>
-            <a:r>
-              <a:rPr lang="en-US" dirty="0" err="1"/>
-              <a:t>khả</a:t>
-            </a:r>
-            <a:r>
-              <a:rPr lang="en-US" dirty="0"/>
-              <a:t> </a:t>
-            </a:r>
-            <a:r>
-              <a:rPr lang="en-US" dirty="0" err="1"/>
-              <a:t>năng</a:t>
-            </a:r>
-            <a:r>
-              <a:rPr lang="en-US" dirty="0"/>
-              <a:t> </a:t>
-            </a:r>
-            <a:r>
-              <a:rPr lang="en-US" dirty="0" err="1"/>
-              <a:t>xuất</a:t>
-            </a:r>
-            <a:r>
-              <a:rPr lang="en-US" dirty="0"/>
-              <a:t> </a:t>
-            </a:r>
-            <a:r>
-              <a:rPr lang="en-US" dirty="0" err="1"/>
-              <a:t>hiện</a:t>
-            </a:r>
-            <a:r>
-              <a:rPr lang="en-US" dirty="0"/>
-              <a:t> </a:t>
-            </a:r>
-            <a:r>
-              <a:rPr lang="en-US" dirty="0" err="1"/>
-              <a:t>khi</a:t>
-            </a:r>
-            <a:r>
-              <a:rPr lang="en-US" dirty="0"/>
-              <a:t> </a:t>
-            </a:r>
-            <a:r>
-              <a:rPr lang="en-US" dirty="0" err="1"/>
-              <a:t>hệ</a:t>
-            </a:r>
-            <a:r>
-              <a:rPr lang="en-US" dirty="0"/>
-              <a:t> </a:t>
-            </a:r>
-            <a:r>
-              <a:rPr lang="en-US" dirty="0" err="1"/>
-              <a:t>thống</a:t>
-            </a:r>
-            <a:r>
-              <a:rPr lang="en-US" dirty="0"/>
-              <a:t> có 2 </a:t>
-            </a:r>
-            <a:r>
-              <a:rPr lang="en-US" dirty="0" err="1"/>
-              <a:t>hoặc</a:t>
-            </a:r>
-            <a:r>
-              <a:rPr lang="en-US" dirty="0"/>
-              <a:t> </a:t>
-            </a:r>
-            <a:r>
-              <a:rPr lang="en-US" dirty="0" err="1"/>
-              <a:t>nhiều</a:t>
-            </a:r>
-            <a:r>
-              <a:rPr lang="en-US" dirty="0"/>
-              <a:t> thread sử dụng chung </a:t>
-            </a:r>
-            <a:r>
-              <a:rPr lang="en-US" dirty="0" err="1"/>
-              <a:t>nhiều</a:t>
-            </a:r>
-            <a:r>
-              <a:rPr lang="en-US" dirty="0"/>
-              <a:t> lock để </a:t>
-            </a:r>
-            <a:r>
-              <a:rPr lang="en-US" dirty="0" err="1"/>
-              <a:t>hoàn</a:t>
-            </a:r>
-            <a:r>
-              <a:rPr lang="en-US" dirty="0"/>
-              <a:t> </a:t>
-            </a:r>
-            <a:r>
-              <a:rPr lang="en-US" dirty="0" err="1"/>
-              <a:t>thành</a:t>
-            </a:r>
-            <a:r>
-              <a:rPr lang="en-US" dirty="0"/>
-              <a:t> </a:t>
-            </a:r>
-            <a:r>
-              <a:rPr lang="en-US" dirty="0" err="1"/>
-              <a:t>công</a:t>
-            </a:r>
-            <a:r>
-              <a:rPr lang="en-US" dirty="0"/>
-              <a:t> </a:t>
-            </a:r>
-            <a:r>
-              <a:rPr lang="en-US" dirty="0" err="1"/>
-              <a:t>việc</a:t>
-            </a:r>
-            <a:r>
-              <a:rPr lang="en-US" dirty="0" smtClean="0"/>
-              <a:t>.</a:t>
-            </a:r>
+            <a:endParaRPr lang="en-US" dirty="0" smtClean="0"/>
           </a:p>
           <a:p>
             <a:r>
               <a:rPr lang="vi-VN" dirty="0"/>
-              <a:t>Cách khắc phục: Giảm số lượng lock trong source code.</a:t>
+              <a:t>Viết 1 chương trình C tạo ra 2 thread, 2 thread đều ghi vào chung 1 file, sử dụng mutex để bảo vệ file, nên sử dụng wrapper function thay cho hàm ghi file thông thường.</a:t>
             </a:r>
             <a:endParaRPr lang="en-US" dirty="0"/>
           </a:p>
@@ -5594,7 +5382,7 @@
     </p:spTree>
     <p:extLst>
       <p:ext uri="{BB962C8B-B14F-4D97-AF65-F5344CB8AC3E}">
-        <p14:creationId xmlns:p14="http://schemas.microsoft.com/office/powerpoint/2010/main" val="2792727908"/>
+        <p14:creationId xmlns:p14="http://schemas.microsoft.com/office/powerpoint/2010/main" val="948376961"/>
       </p:ext>
     </p:extLst>
   </p:cSld>
@@ -5645,7 +5433,7 @@
           <a:p>
             <a:r>
               <a:rPr lang="en-US" dirty="0"/>
-              <a:t>Semaphore</a:t>
+              <a:t>Dead lock</a:t>
             </a:r>
           </a:p>
         </p:txBody>
@@ -5663,13 +5451,45 @@
         <p:spPr/>
         <p:txBody>
           <a:bodyPr>
-            <a:normAutofit/>
+            <a:normAutofit fontScale="92500" lnSpcReduction="10000"/>
           </a:bodyPr>
           <a:lstStyle/>
           <a:p>
             <a:r>
               <a:rPr lang="en-US" dirty="0"/>
-              <a:t>Có 1 </a:t>
+              <a:t>Là </a:t>
+            </a:r>
+            <a:r>
+              <a:rPr lang="en-US" dirty="0" err="1"/>
+              <a:t>trạng</a:t>
+            </a:r>
+            <a:r>
+              <a:rPr lang="en-US" dirty="0"/>
+              <a:t> </a:t>
+            </a:r>
+            <a:r>
+              <a:rPr lang="en-US" dirty="0" err="1"/>
+              <a:t>thái</a:t>
+            </a:r>
+            <a:r>
+              <a:rPr lang="en-US" dirty="0"/>
+              <a:t> trong </a:t>
+            </a:r>
+            <a:r>
+              <a:rPr lang="en-US" dirty="0" err="1"/>
+              <a:t>hệ</a:t>
+            </a:r>
+            <a:r>
+              <a:rPr lang="en-US" dirty="0"/>
+              <a:t> </a:t>
+            </a:r>
+            <a:r>
+              <a:rPr lang="en-US" dirty="0" err="1"/>
+              <a:t>thống</a:t>
+            </a:r>
+            <a:r>
+              <a:rPr lang="en-US" dirty="0"/>
+              <a:t> có 2 </a:t>
             </a:r>
             <a:r>
               <a:rPr lang="en-US" dirty="0" err="1"/>
@@ -5688,20 +5508,234 @@
               <a:t> </a:t>
             </a:r>
             <a:r>
+              <a:rPr lang="en-US" dirty="0" err="1"/>
+              <a:t>luồng</a:t>
+            </a:r>
+            <a:r>
+              <a:rPr lang="en-US" dirty="0"/>
+              <a:t> </a:t>
+            </a:r>
+            <a:r>
+              <a:rPr lang="en-US" dirty="0" err="1"/>
+              <a:t>xử</a:t>
+            </a:r>
+            <a:r>
+              <a:rPr lang="en-US" dirty="0"/>
+              <a:t> </a:t>
+            </a:r>
+            <a:r>
+              <a:rPr lang="en-US" dirty="0" err="1"/>
+              <a:t>lý</a:t>
+            </a:r>
+            <a:r>
+              <a:rPr lang="en-US" dirty="0"/>
+              <a:t> </a:t>
+            </a:r>
+            <a:r>
+              <a:rPr lang="en-US" dirty="0" err="1"/>
+              <a:t>đi</a:t>
+            </a:r>
+            <a:r>
+              <a:rPr lang="en-US" dirty="0"/>
+              <a:t> </a:t>
+            </a:r>
+            <a:r>
+              <a:rPr lang="en-US" dirty="0" err="1"/>
+              <a:t>vào</a:t>
+            </a:r>
+            <a:r>
+              <a:rPr lang="en-US" dirty="0"/>
+              <a:t> </a:t>
+            </a:r>
+            <a:r>
+              <a:rPr lang="en-US" dirty="0" err="1"/>
+              <a:t>vòng</a:t>
+            </a:r>
+            <a:r>
+              <a:rPr lang="en-US" dirty="0"/>
+              <a:t> </a:t>
+            </a:r>
+            <a:r>
+              <a:rPr lang="en-US" dirty="0" err="1"/>
+              <a:t>lặp</a:t>
+            </a:r>
+            <a:r>
+              <a:rPr lang="en-US" dirty="0"/>
+              <a:t> </a:t>
+            </a:r>
+            <a:r>
+              <a:rPr lang="en-US" dirty="0" err="1"/>
+              <a:t>vô</a:t>
+            </a:r>
+            <a:r>
+              <a:rPr lang="en-US" dirty="0"/>
+              <a:t> </a:t>
+            </a:r>
+            <a:r>
+              <a:rPr lang="en-US" dirty="0" err="1"/>
+              <a:t>tận</a:t>
+            </a:r>
+            <a:r>
+              <a:rPr lang="en-US" dirty="0"/>
+              <a:t> để </a:t>
+            </a:r>
+            <a:r>
+              <a:rPr lang="en-US" dirty="0" err="1"/>
+              <a:t>chờ</a:t>
+            </a:r>
+            <a:r>
+              <a:rPr lang="en-US" dirty="0"/>
+              <a:t> đợi </a:t>
+            </a:r>
+            <a:r>
+              <a:rPr lang="en-US" dirty="0" err="1"/>
+              <a:t>tài</a:t>
+            </a:r>
+            <a:r>
+              <a:rPr lang="en-US" dirty="0"/>
+              <a:t> </a:t>
+            </a:r>
+            <a:r>
+              <a:rPr lang="en-US" dirty="0" err="1"/>
+              <a:t>nguyên</a:t>
+            </a:r>
+            <a:r>
+              <a:rPr lang="en-US" dirty="0"/>
+              <a:t> của </a:t>
+            </a:r>
+            <a:r>
+              <a:rPr lang="en-US" dirty="0" err="1"/>
+              <a:t>nhau</a:t>
+            </a:r>
+            <a:r>
               <a:rPr lang="en-US" dirty="0" smtClean="0"/>
-              <a:t>khóa</a:t>
+              <a:t>.</a:t>
+            </a:r>
+          </a:p>
+          <a:p>
+            <a:r>
+              <a:rPr lang="en-US" dirty="0"/>
+              <a:t>Có </a:t>
+            </a:r>
+            <a:r>
+              <a:rPr lang="en-US" dirty="0" err="1"/>
+              <a:t>khả</a:t>
+            </a:r>
+            <a:r>
+              <a:rPr lang="en-US" dirty="0"/>
+              <a:t> </a:t>
+            </a:r>
+            <a:r>
+              <a:rPr lang="en-US" dirty="0" err="1"/>
+              <a:t>năng</a:t>
+            </a:r>
+            <a:r>
+              <a:rPr lang="en-US" dirty="0"/>
+              <a:t> </a:t>
+            </a:r>
+            <a:r>
+              <a:rPr lang="en-US" dirty="0" err="1"/>
+              <a:t>xuất</a:t>
+            </a:r>
+            <a:r>
+              <a:rPr lang="en-US" dirty="0"/>
+              <a:t> </a:t>
+            </a:r>
+            <a:r>
+              <a:rPr lang="en-US" dirty="0" err="1"/>
+              <a:t>hiện</a:t>
+            </a:r>
+            <a:r>
+              <a:rPr lang="en-US" dirty="0"/>
+              <a:t> </a:t>
+            </a:r>
+            <a:r>
+              <a:rPr lang="en-US" dirty="0" err="1"/>
+              <a:t>khi</a:t>
+            </a:r>
+            <a:r>
+              <a:rPr lang="en-US" dirty="0"/>
+              <a:t> </a:t>
+            </a:r>
+            <a:r>
+              <a:rPr lang="en-US" dirty="0" err="1"/>
+              <a:t>hệ</a:t>
+            </a:r>
+            <a:r>
+              <a:rPr lang="en-US" dirty="0"/>
+              <a:t> </a:t>
+            </a:r>
+            <a:r>
+              <a:rPr lang="en-US" dirty="0" err="1"/>
+              <a:t>thống</a:t>
+            </a:r>
+            <a:r>
+              <a:rPr lang="en-US" dirty="0"/>
+              <a:t> có 2 </a:t>
+            </a:r>
+            <a:r>
+              <a:rPr lang="en-US" dirty="0" err="1"/>
+              <a:t>hoặc</a:t>
+            </a:r>
+            <a:r>
+              <a:rPr lang="en-US" dirty="0"/>
+              <a:t> </a:t>
+            </a:r>
+            <a:r>
+              <a:rPr lang="en-US" dirty="0" err="1"/>
+              <a:t>nhiều</a:t>
+            </a:r>
+            <a:r>
+              <a:rPr lang="en-US" dirty="0"/>
+              <a:t> thread sử dụng chung </a:t>
+            </a:r>
+            <a:r>
+              <a:rPr lang="en-US" dirty="0" err="1"/>
+              <a:t>nhiều</a:t>
+            </a:r>
+            <a:r>
+              <a:rPr lang="en-US" dirty="0"/>
+              <a:t> lock để </a:t>
+            </a:r>
+            <a:r>
+              <a:rPr lang="en-US" dirty="0" err="1"/>
+              <a:t>hoàn</a:t>
+            </a:r>
+            <a:r>
+              <a:rPr lang="en-US" dirty="0"/>
+              <a:t> </a:t>
+            </a:r>
+            <a:r>
+              <a:rPr lang="en-US" dirty="0" err="1"/>
+              <a:t>thành</a:t>
+            </a:r>
+            <a:r>
+              <a:rPr lang="en-US" dirty="0"/>
+              <a:t> </a:t>
+            </a:r>
+            <a:r>
+              <a:rPr lang="en-US" dirty="0" err="1"/>
+              <a:t>công</a:t>
+            </a:r>
+            <a:r>
+              <a:rPr lang="en-US" dirty="0"/>
+              <a:t> </a:t>
+            </a:r>
+            <a:r>
+              <a:rPr lang="en-US" dirty="0" err="1"/>
+              <a:t>việc</a:t>
+            </a:r>
+            <a:r>
+              <a:rPr lang="en-US" dirty="0" smtClean="0"/>
+              <a:t>.</a:t>
             </a:r>
           </a:p>
           <a:p>
             <a:r>
               <a:rPr lang="vi-VN" dirty="0"/>
-              <a:t>Trong một thời điểm có thể có 1 hoặc nhiều thread có được </a:t>
-            </a:r>
-            <a:r>
-              <a:rPr lang="vi-VN" dirty="0" smtClean="0"/>
-              <a:t>khóa</a:t>
-            </a:r>
-            <a:endParaRPr lang="en-US" dirty="0" smtClean="0"/>
+              <a:t>Cách khắc phục: Giảm số lượng lock trong source code.</a:t>
+            </a:r>
+            <a:endParaRPr lang="en-US" dirty="0"/>
           </a:p>
         </p:txBody>
       </p:sp>
@@ -5754,7 +5788,7 @@
     </p:spTree>
     <p:extLst>
       <p:ext uri="{BB962C8B-B14F-4D97-AF65-F5344CB8AC3E}">
-        <p14:creationId xmlns:p14="http://schemas.microsoft.com/office/powerpoint/2010/main" val="685250036"/>
+        <p14:creationId xmlns:p14="http://schemas.microsoft.com/office/powerpoint/2010/main" val="2792727908"/>
       </p:ext>
     </p:extLst>
   </p:cSld>
@@ -5822,172 +5856,46 @@
         </p:nvSpPr>
         <p:spPr/>
         <p:txBody>
-          <a:bodyPr/>
-          <a:lstStyle/>
-          <a:p>
-            <a:r>
-              <a:rPr lang="en-US" dirty="0"/>
-              <a:t>Source </a:t>
+          <a:bodyPr>
+            <a:normAutofit/>
+          </a:bodyPr>
+          <a:lstStyle/>
+          <a:p>
+            <a:r>
+              <a:rPr lang="en-US" dirty="0"/>
+              <a:t>Có 1 </a:t>
+            </a:r>
+            <a:r>
+              <a:rPr lang="en-US" dirty="0" err="1"/>
+              <a:t>hoặc</a:t>
+            </a:r>
+            <a:r>
+              <a:rPr lang="en-US" dirty="0"/>
+              <a:t> </a:t>
+            </a:r>
+            <a:r>
+              <a:rPr lang="en-US" dirty="0" err="1"/>
+              <a:t>nhiều</a:t>
+            </a:r>
+            <a:r>
+              <a:rPr lang="en-US" dirty="0"/>
+              <a:t> </a:t>
             </a:r>
             <a:r>
               <a:rPr lang="en-US" dirty="0" smtClean="0"/>
-              <a:t>code</a:t>
-            </a:r>
-          </a:p>
-          <a:p>
-            <a:pPr lvl="1"/>
-            <a:r>
-              <a:rPr lang="en-US" dirty="0" err="1"/>
-              <a:t>sem_t</a:t>
-            </a:r>
-            <a:r>
-              <a:rPr lang="en-US" dirty="0"/>
-              <a:t> </a:t>
-            </a:r>
-            <a:r>
-              <a:rPr lang="en-US" dirty="0" err="1"/>
-              <a:t>sem_name</a:t>
-            </a:r>
-            <a:r>
-              <a:rPr lang="en-US" dirty="0" smtClean="0"/>
-              <a:t>;</a:t>
-            </a:r>
-          </a:p>
-          <a:p>
-            <a:pPr lvl="1"/>
-            <a:r>
-              <a:rPr lang="en-US" dirty="0"/>
-              <a:t>int </a:t>
-            </a:r>
-            <a:r>
-              <a:rPr lang="en-US" dirty="0" err="1"/>
-              <a:t>sem_init</a:t>
-            </a:r>
-            <a:r>
-              <a:rPr lang="en-US" dirty="0"/>
-              <a:t>(</a:t>
-            </a:r>
-            <a:r>
-              <a:rPr lang="en-US" dirty="0" err="1"/>
-              <a:t>sem_t</a:t>
-            </a:r>
-            <a:r>
-              <a:rPr lang="en-US" dirty="0"/>
-              <a:t> *</a:t>
-            </a:r>
-            <a:r>
-              <a:rPr lang="en-US" dirty="0" err="1"/>
-              <a:t>sem</a:t>
-            </a:r>
-            <a:r>
-              <a:rPr lang="en-US" dirty="0"/>
-              <a:t>, int </a:t>
-            </a:r>
-            <a:r>
-              <a:rPr lang="en-US" dirty="0" err="1"/>
-              <a:t>pshared</a:t>
-            </a:r>
-            <a:r>
-              <a:rPr lang="en-US" dirty="0"/>
-              <a:t>, unsigned int value</a:t>
-            </a:r>
-            <a:r>
-              <a:rPr lang="en-US" dirty="0" smtClean="0"/>
-              <a:t>);</a:t>
-            </a:r>
-          </a:p>
-          <a:p>
-            <a:pPr lvl="1"/>
-            <a:r>
-              <a:rPr lang="en-US" dirty="0"/>
-              <a:t>int </a:t>
-            </a:r>
-            <a:r>
-              <a:rPr lang="en-US" dirty="0" err="1"/>
-              <a:t>sem_wait</a:t>
-            </a:r>
-            <a:r>
-              <a:rPr lang="en-US" dirty="0"/>
-              <a:t>(</a:t>
-            </a:r>
-            <a:r>
-              <a:rPr lang="en-US" dirty="0" err="1"/>
-              <a:t>sem_t</a:t>
-            </a:r>
-            <a:r>
-              <a:rPr lang="en-US" dirty="0"/>
-              <a:t> *</a:t>
-            </a:r>
-            <a:r>
-              <a:rPr lang="en-US" dirty="0" err="1"/>
-              <a:t>sem</a:t>
-            </a:r>
-            <a:r>
-              <a:rPr lang="en-US" dirty="0" smtClean="0"/>
-              <a:t>)</a:t>
-            </a:r>
-          </a:p>
-          <a:p>
-            <a:pPr lvl="1"/>
-            <a:r>
-              <a:rPr lang="en-US" dirty="0"/>
-              <a:t>int </a:t>
-            </a:r>
-            <a:r>
-              <a:rPr lang="en-US" dirty="0" err="1"/>
-              <a:t>sem_post</a:t>
-            </a:r>
-            <a:r>
-              <a:rPr lang="en-US" dirty="0"/>
-              <a:t>(</a:t>
-            </a:r>
-            <a:r>
-              <a:rPr lang="en-US" dirty="0" err="1"/>
-              <a:t>sem_t</a:t>
-            </a:r>
-            <a:r>
-              <a:rPr lang="en-US" dirty="0"/>
-              <a:t> *</a:t>
-            </a:r>
-            <a:r>
-              <a:rPr lang="en-US" dirty="0" err="1"/>
-              <a:t>sem</a:t>
-            </a:r>
-            <a:r>
-              <a:rPr lang="en-US" dirty="0" smtClean="0"/>
-              <a:t>);</a:t>
-            </a:r>
-          </a:p>
-          <a:p>
-            <a:pPr lvl="1"/>
-            <a:r>
-              <a:rPr lang="en-US" dirty="0"/>
-              <a:t>int </a:t>
-            </a:r>
-            <a:r>
-              <a:rPr lang="en-US" dirty="0" err="1"/>
-              <a:t>sem_destroy</a:t>
-            </a:r>
-            <a:r>
-              <a:rPr lang="en-US" dirty="0"/>
-              <a:t>(</a:t>
-            </a:r>
-            <a:r>
-              <a:rPr lang="en-US" dirty="0" err="1"/>
-              <a:t>sem_t</a:t>
-            </a:r>
-            <a:r>
-              <a:rPr lang="en-US" dirty="0"/>
-              <a:t> *</a:t>
-            </a:r>
-            <a:r>
-              <a:rPr lang="en-US" dirty="0" err="1"/>
-              <a:t>sem</a:t>
-            </a:r>
-            <a:r>
-              <a:rPr lang="en-US" dirty="0"/>
-              <a:t>);</a:t>
-            </a:r>
+              <a:t>khóa</a:t>
+            </a:r>
+          </a:p>
+          <a:p>
+            <a:r>
+              <a:rPr lang="vi-VN" dirty="0"/>
+              <a:t>Trong một thời điểm có thể có 1 hoặc nhiều thread có được </a:t>
+            </a:r>
+            <a:r>
+              <a:rPr lang="vi-VN" dirty="0" smtClean="0"/>
+              <a:t>khóa</a:t>
+            </a:r>
+            <a:endParaRPr lang="en-US" dirty="0" smtClean="0"/>
           </a:p>
         </p:txBody>
       </p:sp>
@@ -6040,7 +5948,7 @@
     </p:spTree>
     <p:extLst>
       <p:ext uri="{BB962C8B-B14F-4D97-AF65-F5344CB8AC3E}">
-        <p14:creationId xmlns:p14="http://schemas.microsoft.com/office/powerpoint/2010/main" val="2268556823"/>
+        <p14:creationId xmlns:p14="http://schemas.microsoft.com/office/powerpoint/2010/main" val="685250036"/>
       </p:ext>
     </p:extLst>
   </p:cSld>
@@ -6091,235 +5999,189 @@
           <a:p>
             <a:r>
               <a:rPr lang="en-US" dirty="0"/>
-              <a:t>W</a:t>
+              <a:t>Semaphore</a:t>
+            </a:r>
+          </a:p>
+        </p:txBody>
+      </p:sp>
+      <p:sp>
+        <p:nvSpPr>
+          <p:cNvPr id="3" name="Content Placeholder 2"/>
+          <p:cNvSpPr>
+            <a:spLocks noGrp="1"/>
+          </p:cNvSpPr>
+          <p:nvPr>
+            <p:ph idx="1"/>
+          </p:nvPr>
+        </p:nvSpPr>
+        <p:spPr/>
+        <p:txBody>
+          <a:bodyPr/>
+          <a:lstStyle/>
+          <a:p>
+            <a:r>
+              <a:rPr lang="en-US" dirty="0"/>
+              <a:t>Source </a:t>
             </a:r>
             <a:r>
               <a:rPr lang="en-US" dirty="0" smtClean="0"/>
-              <a:t>rapper </a:t>
-            </a:r>
-            <a:r>
-              <a:rPr lang="en-US" dirty="0"/>
-              <a:t>function</a:t>
-            </a:r>
-          </a:p>
-        </p:txBody>
-      </p:sp>
-      <p:sp>
-        <p:nvSpPr>
-          <p:cNvPr id="3" name="Content Placeholder 2"/>
-          <p:cNvSpPr>
-            <a:spLocks noGrp="1"/>
-          </p:cNvSpPr>
-          <p:nvPr>
-            <p:ph idx="1"/>
-          </p:nvPr>
-        </p:nvSpPr>
-        <p:spPr/>
-        <p:txBody>
-          <a:bodyPr/>
-          <a:lstStyle/>
-          <a:p>
-            <a:r>
-              <a:rPr lang="en-US" dirty="0" err="1"/>
-              <a:t>Tạo</a:t>
-            </a:r>
-            <a:r>
-              <a:rPr lang="en-US" dirty="0"/>
-              <a:t> các </a:t>
-            </a:r>
-            <a:r>
-              <a:rPr lang="en-US" dirty="0" err="1"/>
-              <a:t>hàm</a:t>
-            </a:r>
-            <a:r>
-              <a:rPr lang="en-US" dirty="0"/>
-              <a:t> </a:t>
-            </a:r>
-            <a:r>
-              <a:rPr lang="en-US" dirty="0" err="1"/>
-              <a:t>đọc</a:t>
-            </a:r>
-            <a:r>
-              <a:rPr lang="en-US" dirty="0"/>
-              <a:t> </a:t>
-            </a:r>
-            <a:r>
-              <a:rPr lang="en-US" dirty="0" err="1"/>
-              <a:t>ghi</a:t>
-            </a:r>
-            <a:r>
-              <a:rPr lang="en-US" dirty="0"/>
-              <a:t> </a:t>
-            </a:r>
-            <a:r>
-              <a:rPr lang="en-US" dirty="0" err="1"/>
-              <a:t>riêng</a:t>
-            </a:r>
-            <a:r>
-              <a:rPr lang="en-US" dirty="0"/>
-              <a:t> cho </a:t>
-            </a:r>
-            <a:r>
-              <a:rPr lang="en-US" dirty="0" err="1"/>
-              <a:t>những</a:t>
-            </a:r>
-            <a:r>
-              <a:rPr lang="en-US" dirty="0"/>
-              <a:t> </a:t>
-            </a:r>
-            <a:r>
-              <a:rPr lang="en-US" dirty="0" err="1"/>
-              <a:t>tài</a:t>
-            </a:r>
-            <a:r>
-              <a:rPr lang="en-US" dirty="0"/>
-              <a:t> </a:t>
-            </a:r>
-            <a:r>
-              <a:rPr lang="en-US" dirty="0" err="1"/>
-              <a:t>nguyên</a:t>
-            </a:r>
-            <a:r>
-              <a:rPr lang="en-US" dirty="0"/>
-              <a:t> có thể </a:t>
-            </a:r>
-            <a:r>
-              <a:rPr lang="en-US" dirty="0" err="1"/>
-              <a:t>bị</a:t>
-            </a:r>
-            <a:r>
-              <a:rPr lang="en-US" dirty="0"/>
-              <a:t> </a:t>
-            </a:r>
-            <a:r>
-              <a:rPr lang="en-US" dirty="0" err="1"/>
-              <a:t>xung</a:t>
-            </a:r>
-            <a:r>
-              <a:rPr lang="en-US" dirty="0"/>
-              <a:t> </a:t>
-            </a:r>
-            <a:r>
-              <a:rPr lang="en-US" dirty="0" err="1"/>
-              <a:t>đột</a:t>
+              <a:t>code</a:t>
+            </a:r>
+          </a:p>
+          <a:p>
+            <a:pPr lvl="1"/>
+            <a:r>
+              <a:rPr lang="en-US" dirty="0" err="1"/>
+              <a:t>sem_t</a:t>
+            </a:r>
+            <a:r>
+              <a:rPr lang="en-US" dirty="0"/>
+              <a:t> </a:t>
+            </a:r>
+            <a:r>
+              <a:rPr lang="en-US" dirty="0" err="1"/>
+              <a:t>sem_name</a:t>
             </a:r>
             <a:r>
               <a:rPr lang="en-US" dirty="0" smtClean="0"/>
-              <a:t>.</a:t>
-            </a:r>
-          </a:p>
-          <a:p>
-            <a:r>
-              <a:rPr lang="en-US" dirty="0"/>
-              <a:t>Sử dụng các trick của C để </a:t>
-            </a:r>
-            <a:r>
-              <a:rPr lang="en-US" dirty="0" err="1"/>
-              <a:t>giấu</a:t>
-            </a:r>
-            <a:r>
-              <a:rPr lang="en-US" dirty="0"/>
-              <a:t> </a:t>
-            </a:r>
-            <a:r>
-              <a:rPr lang="en-US" dirty="0" err="1"/>
-              <a:t>đi</a:t>
-            </a:r>
-            <a:r>
-              <a:rPr lang="en-US" dirty="0"/>
-              <a:t> </a:t>
-            </a:r>
-            <a:r>
-              <a:rPr lang="en-US" dirty="0" err="1"/>
-              <a:t>tài</a:t>
-            </a:r>
-            <a:r>
-              <a:rPr lang="en-US" dirty="0"/>
-              <a:t> </a:t>
-            </a:r>
-            <a:r>
-              <a:rPr lang="en-US" dirty="0" err="1"/>
-              <a:t>nguyên</a:t>
-            </a:r>
-            <a:r>
-              <a:rPr lang="en-US" dirty="0"/>
-              <a:t> đó, </a:t>
-            </a:r>
-            <a:r>
-              <a:rPr lang="en-US" dirty="0" err="1"/>
-              <a:t>chỉ</a:t>
-            </a:r>
-            <a:r>
-              <a:rPr lang="en-US" dirty="0"/>
-              <a:t> </a:t>
-            </a:r>
-            <a:r>
-              <a:rPr lang="en-US" dirty="0" err="1"/>
-              <a:t>cung</a:t>
-            </a:r>
-            <a:r>
-              <a:rPr lang="en-US" dirty="0"/>
-              <a:t> </a:t>
-            </a:r>
-            <a:r>
-              <a:rPr lang="en-US" dirty="0" err="1"/>
-              <a:t>cấp</a:t>
-            </a:r>
-            <a:r>
-              <a:rPr lang="en-US" dirty="0"/>
-              <a:t> </a:t>
-            </a:r>
-            <a:r>
-              <a:rPr lang="en-US" dirty="0" err="1"/>
-              <a:t>ra</a:t>
-            </a:r>
-            <a:r>
-              <a:rPr lang="en-US" dirty="0"/>
-              <a:t> </a:t>
-            </a:r>
-            <a:r>
-              <a:rPr lang="en-US" dirty="0" err="1"/>
-              <a:t>ngoài</a:t>
-            </a:r>
-            <a:r>
-              <a:rPr lang="en-US" dirty="0"/>
-              <a:t> các </a:t>
-            </a:r>
-            <a:r>
-              <a:rPr lang="en-US" dirty="0" err="1"/>
-              <a:t>hàm</a:t>
-            </a:r>
-            <a:r>
-              <a:rPr lang="en-US" dirty="0"/>
-              <a:t> </a:t>
-            </a:r>
-            <a:r>
-              <a:rPr lang="en-US" dirty="0" err="1"/>
-              <a:t>đọc</a:t>
-            </a:r>
-            <a:r>
-              <a:rPr lang="en-US" dirty="0"/>
-              <a:t> </a:t>
-            </a:r>
-            <a:r>
-              <a:rPr lang="en-US" dirty="0" err="1"/>
-              <a:t>ghi</a:t>
+              <a:t>;</a:t>
+            </a:r>
+          </a:p>
+          <a:p>
+            <a:pPr lvl="1"/>
+            <a:r>
+              <a:rPr lang="en-US" dirty="0"/>
+              <a:t>int </a:t>
+            </a:r>
+            <a:r>
+              <a:rPr lang="en-US" dirty="0" err="1"/>
+              <a:t>sem_init</a:t>
+            </a:r>
+            <a:r>
+              <a:rPr lang="en-US" dirty="0"/>
+              <a:t>(</a:t>
+            </a:r>
+            <a:r>
+              <a:rPr lang="en-US" dirty="0" err="1"/>
+              <a:t>sem_t</a:t>
+            </a:r>
+            <a:r>
+              <a:rPr lang="en-US" dirty="0"/>
+              <a:t> *</a:t>
+            </a:r>
+            <a:r>
+              <a:rPr lang="en-US" dirty="0" err="1"/>
+              <a:t>sem</a:t>
+            </a:r>
+            <a:r>
+              <a:rPr lang="en-US" dirty="0"/>
+              <a:t>, int </a:t>
+            </a:r>
+            <a:r>
+              <a:rPr lang="en-US" dirty="0" err="1"/>
+              <a:t>pshared</a:t>
+            </a:r>
+            <a:r>
+              <a:rPr lang="en-US" dirty="0"/>
+              <a:t>, unsigned int value</a:t>
             </a:r>
             <a:r>
               <a:rPr lang="en-US" dirty="0" smtClean="0"/>
-              <a:t>.</a:t>
-            </a:r>
-          </a:p>
-          <a:p>
-            <a:r>
-              <a:rPr lang="en-US" dirty="0"/>
-              <a:t>Minh </a:t>
-            </a:r>
-            <a:r>
-              <a:rPr lang="en-US" dirty="0" err="1"/>
-              <a:t>họa</a:t>
-            </a:r>
-            <a:endParaRPr lang="en-US" dirty="0"/>
+              <a:t>);</a:t>
+            </a:r>
+          </a:p>
+          <a:p>
+            <a:pPr lvl="1"/>
+            <a:r>
+              <a:rPr lang="en-US" dirty="0"/>
+              <a:t>int </a:t>
+            </a:r>
+            <a:r>
+              <a:rPr lang="en-US" dirty="0" err="1"/>
+              <a:t>sem_wait</a:t>
+            </a:r>
+            <a:r>
+              <a:rPr lang="en-US" dirty="0"/>
+              <a:t>(</a:t>
+            </a:r>
+            <a:r>
+              <a:rPr lang="en-US" dirty="0" err="1"/>
+              <a:t>sem_t</a:t>
+            </a:r>
+            <a:r>
+              <a:rPr lang="en-US" dirty="0"/>
+              <a:t> *</a:t>
+            </a:r>
+            <a:r>
+              <a:rPr lang="en-US" dirty="0" err="1"/>
+              <a:t>sem</a:t>
+            </a:r>
+            <a:r>
+              <a:rPr lang="en-US" dirty="0" smtClean="0"/>
+              <a:t>)</a:t>
+            </a:r>
+          </a:p>
+          <a:p>
+            <a:pPr lvl="1"/>
+            <a:r>
+              <a:rPr lang="en-US" dirty="0"/>
+              <a:t>int </a:t>
+            </a:r>
+            <a:r>
+              <a:rPr lang="en-US" dirty="0" err="1"/>
+              <a:t>sem_post</a:t>
+            </a:r>
+            <a:r>
+              <a:rPr lang="en-US" dirty="0"/>
+              <a:t>(</a:t>
+            </a:r>
+            <a:r>
+              <a:rPr lang="en-US" dirty="0" err="1"/>
+              <a:t>sem_t</a:t>
+            </a:r>
+            <a:r>
+              <a:rPr lang="en-US" dirty="0"/>
+              <a:t> *</a:t>
+            </a:r>
+            <a:r>
+              <a:rPr lang="en-US" dirty="0" err="1"/>
+              <a:t>sem</a:t>
+            </a:r>
+            <a:r>
+              <a:rPr lang="en-US" dirty="0" smtClean="0"/>
+              <a:t>);</a:t>
+            </a:r>
+          </a:p>
+          <a:p>
+            <a:pPr lvl="1"/>
+            <a:r>
+              <a:rPr lang="en-US" dirty="0"/>
+              <a:t>int </a:t>
+            </a:r>
+            <a:r>
+              <a:rPr lang="en-US" dirty="0" err="1"/>
+              <a:t>sem_destroy</a:t>
+            </a:r>
+            <a:r>
+              <a:rPr lang="en-US" dirty="0"/>
+              <a:t>(</a:t>
+            </a:r>
+            <a:r>
+              <a:rPr lang="en-US" dirty="0" err="1"/>
+              <a:t>sem_t</a:t>
+            </a:r>
+            <a:r>
+              <a:rPr lang="en-US" dirty="0"/>
+              <a:t> *</a:t>
+            </a:r>
+            <a:r>
+              <a:rPr lang="en-US" dirty="0" err="1"/>
+              <a:t>sem</a:t>
+            </a:r>
+            <a:r>
+              <a:rPr lang="en-US" dirty="0"/>
+              <a:t>);</a:t>
+            </a:r>
           </a:p>
         </p:txBody>
       </p:sp>
@@ -6372,7 +6234,7 @@
     </p:spTree>
     <p:extLst>
       <p:ext uri="{BB962C8B-B14F-4D97-AF65-F5344CB8AC3E}">
-        <p14:creationId xmlns:p14="http://schemas.microsoft.com/office/powerpoint/2010/main" val="1008666124"/>
+        <p14:creationId xmlns:p14="http://schemas.microsoft.com/office/powerpoint/2010/main" val="2268556823"/>
       </p:ext>
     </p:extLst>
   </p:cSld>
@@ -6422,6 +6284,338 @@
           <a:lstStyle/>
           <a:p>
             <a:r>
+              <a:rPr lang="en-US" dirty="0"/>
+              <a:t>W</a:t>
+            </a:r>
+            <a:r>
+              <a:rPr lang="en-US" dirty="0" smtClean="0"/>
+              <a:t>rapper </a:t>
+            </a:r>
+            <a:r>
+              <a:rPr lang="en-US" dirty="0"/>
+              <a:t>function</a:t>
+            </a:r>
+          </a:p>
+        </p:txBody>
+      </p:sp>
+      <p:sp>
+        <p:nvSpPr>
+          <p:cNvPr id="3" name="Content Placeholder 2"/>
+          <p:cNvSpPr>
+            <a:spLocks noGrp="1"/>
+          </p:cNvSpPr>
+          <p:nvPr>
+            <p:ph idx="1"/>
+          </p:nvPr>
+        </p:nvSpPr>
+        <p:spPr/>
+        <p:txBody>
+          <a:bodyPr/>
+          <a:lstStyle/>
+          <a:p>
+            <a:r>
+              <a:rPr lang="en-US" dirty="0" err="1"/>
+              <a:t>Tạo</a:t>
+            </a:r>
+            <a:r>
+              <a:rPr lang="en-US" dirty="0"/>
+              <a:t> các </a:t>
+            </a:r>
+            <a:r>
+              <a:rPr lang="en-US" dirty="0" err="1"/>
+              <a:t>hàm</a:t>
+            </a:r>
+            <a:r>
+              <a:rPr lang="en-US" dirty="0"/>
+              <a:t> </a:t>
+            </a:r>
+            <a:r>
+              <a:rPr lang="en-US" dirty="0" err="1"/>
+              <a:t>đọc</a:t>
+            </a:r>
+            <a:r>
+              <a:rPr lang="en-US" dirty="0"/>
+              <a:t> </a:t>
+            </a:r>
+            <a:r>
+              <a:rPr lang="en-US" dirty="0" err="1"/>
+              <a:t>ghi</a:t>
+            </a:r>
+            <a:r>
+              <a:rPr lang="en-US" dirty="0"/>
+              <a:t> </a:t>
+            </a:r>
+            <a:r>
+              <a:rPr lang="en-US" dirty="0" err="1"/>
+              <a:t>riêng</a:t>
+            </a:r>
+            <a:r>
+              <a:rPr lang="en-US" dirty="0"/>
+              <a:t> cho </a:t>
+            </a:r>
+            <a:r>
+              <a:rPr lang="en-US" dirty="0" err="1"/>
+              <a:t>những</a:t>
+            </a:r>
+            <a:r>
+              <a:rPr lang="en-US" dirty="0"/>
+              <a:t> </a:t>
+            </a:r>
+            <a:r>
+              <a:rPr lang="en-US" dirty="0" err="1"/>
+              <a:t>tài</a:t>
+            </a:r>
+            <a:r>
+              <a:rPr lang="en-US" dirty="0"/>
+              <a:t> </a:t>
+            </a:r>
+            <a:r>
+              <a:rPr lang="en-US" dirty="0" err="1"/>
+              <a:t>nguyên</a:t>
+            </a:r>
+            <a:r>
+              <a:rPr lang="en-US" dirty="0"/>
+              <a:t> có thể </a:t>
+            </a:r>
+            <a:r>
+              <a:rPr lang="en-US" dirty="0" err="1"/>
+              <a:t>bị</a:t>
+            </a:r>
+            <a:r>
+              <a:rPr lang="en-US" dirty="0"/>
+              <a:t> </a:t>
+            </a:r>
+            <a:r>
+              <a:rPr lang="en-US" dirty="0" err="1"/>
+              <a:t>xung</a:t>
+            </a:r>
+            <a:r>
+              <a:rPr lang="en-US" dirty="0"/>
+              <a:t> </a:t>
+            </a:r>
+            <a:r>
+              <a:rPr lang="en-US" dirty="0" err="1"/>
+              <a:t>đột</a:t>
+            </a:r>
+            <a:r>
+              <a:rPr lang="en-US" dirty="0" smtClean="0"/>
+              <a:t>.</a:t>
+            </a:r>
+          </a:p>
+          <a:p>
+            <a:r>
+              <a:rPr lang="en-US" dirty="0"/>
+              <a:t>Sử dụng các trick của C để </a:t>
+            </a:r>
+            <a:r>
+              <a:rPr lang="en-US" dirty="0" err="1"/>
+              <a:t>giấu</a:t>
+            </a:r>
+            <a:r>
+              <a:rPr lang="en-US" dirty="0"/>
+              <a:t> </a:t>
+            </a:r>
+            <a:r>
+              <a:rPr lang="en-US" dirty="0" err="1"/>
+              <a:t>đi</a:t>
+            </a:r>
+            <a:r>
+              <a:rPr lang="en-US" dirty="0"/>
+              <a:t> </a:t>
+            </a:r>
+            <a:r>
+              <a:rPr lang="en-US" dirty="0" err="1"/>
+              <a:t>tài</a:t>
+            </a:r>
+            <a:r>
+              <a:rPr lang="en-US" dirty="0"/>
+              <a:t> </a:t>
+            </a:r>
+            <a:r>
+              <a:rPr lang="en-US" dirty="0" err="1"/>
+              <a:t>nguyên</a:t>
+            </a:r>
+            <a:r>
+              <a:rPr lang="en-US" dirty="0"/>
+              <a:t> đó, </a:t>
+            </a:r>
+            <a:r>
+              <a:rPr lang="en-US" dirty="0" err="1"/>
+              <a:t>chỉ</a:t>
+            </a:r>
+            <a:r>
+              <a:rPr lang="en-US" dirty="0"/>
+              <a:t> </a:t>
+            </a:r>
+            <a:r>
+              <a:rPr lang="en-US" dirty="0" err="1"/>
+              <a:t>cung</a:t>
+            </a:r>
+            <a:r>
+              <a:rPr lang="en-US" dirty="0"/>
+              <a:t> </a:t>
+            </a:r>
+            <a:r>
+              <a:rPr lang="en-US" dirty="0" err="1"/>
+              <a:t>cấp</a:t>
+            </a:r>
+            <a:r>
+              <a:rPr lang="en-US" dirty="0"/>
+              <a:t> </a:t>
+            </a:r>
+            <a:r>
+              <a:rPr lang="en-US" dirty="0" err="1"/>
+              <a:t>ra</a:t>
+            </a:r>
+            <a:r>
+              <a:rPr lang="en-US" dirty="0"/>
+              <a:t> </a:t>
+            </a:r>
+            <a:r>
+              <a:rPr lang="en-US" dirty="0" err="1"/>
+              <a:t>ngoài</a:t>
+            </a:r>
+            <a:r>
+              <a:rPr lang="en-US" dirty="0"/>
+              <a:t> các </a:t>
+            </a:r>
+            <a:r>
+              <a:rPr lang="en-US" dirty="0" err="1"/>
+              <a:t>hàm</a:t>
+            </a:r>
+            <a:r>
+              <a:rPr lang="en-US" dirty="0"/>
+              <a:t> </a:t>
+            </a:r>
+            <a:r>
+              <a:rPr lang="en-US" dirty="0" err="1"/>
+              <a:t>đọc</a:t>
+            </a:r>
+            <a:r>
+              <a:rPr lang="en-US" dirty="0"/>
+              <a:t> </a:t>
+            </a:r>
+            <a:r>
+              <a:rPr lang="en-US" dirty="0" err="1"/>
+              <a:t>ghi</a:t>
+            </a:r>
+            <a:r>
+              <a:rPr lang="en-US" dirty="0" smtClean="0"/>
+              <a:t>.</a:t>
+            </a:r>
+          </a:p>
+          <a:p>
+            <a:r>
+              <a:rPr lang="en-US" dirty="0"/>
+              <a:t>Minh </a:t>
+            </a:r>
+            <a:r>
+              <a:rPr lang="en-US" dirty="0" err="1"/>
+              <a:t>họa</a:t>
+            </a:r>
+            <a:endParaRPr lang="en-US" dirty="0"/>
+          </a:p>
+        </p:txBody>
+      </p:sp>
+      <p:sp>
+        <p:nvSpPr>
+          <p:cNvPr id="4" name="Footer Placeholder 3"/>
+          <p:cNvSpPr>
+            <a:spLocks noGrp="1"/>
+          </p:cNvSpPr>
+          <p:nvPr>
+            <p:ph type="ftr" sz="quarter" idx="11"/>
+          </p:nvPr>
+        </p:nvSpPr>
+        <p:spPr/>
+        <p:txBody>
+          <a:bodyPr/>
+          <a:lstStyle/>
+          <a:p>
+            <a:r>
+              <a:rPr lang="en-US" smtClean="0"/>
+              <a:t>©FPT SOFTWARE - Corporate Training Center - Internal Use</a:t>
+            </a:r>
+            <a:endParaRPr lang="en-US"/>
+          </a:p>
+        </p:txBody>
+      </p:sp>
+      <p:sp>
+        <p:nvSpPr>
+          <p:cNvPr id="5" name="Slide Number Placeholder 4"/>
+          <p:cNvSpPr>
+            <a:spLocks noGrp="1"/>
+          </p:cNvSpPr>
+          <p:nvPr>
+            <p:ph type="sldNum" sz="quarter" idx="12"/>
+          </p:nvPr>
+        </p:nvSpPr>
+        <p:spPr/>
+        <p:txBody>
+          <a:bodyPr/>
+          <a:lstStyle/>
+          <a:p>
+            <a:fld id="{E3B08AF7-4237-6949-8335-F63F47C2C8CC}" type="slidenum">
+              <a:rPr lang="en-US" smtClean="0"/>
+              <a:t>16</a:t>
+            </a:fld>
+            <a:endParaRPr lang="en-US"/>
+          </a:p>
+        </p:txBody>
+      </p:sp>
+    </p:spTree>
+    <p:extLst>
+      <p:ext uri="{BB962C8B-B14F-4D97-AF65-F5344CB8AC3E}">
+        <p14:creationId xmlns:p14="http://schemas.microsoft.com/office/powerpoint/2010/main" val="1008666124"/>
+      </p:ext>
+    </p:extLst>
+  </p:cSld>
+  <p:clrMapOvr>
+    <a:masterClrMapping/>
+  </p:clrMapOvr>
+  <p:timing>
+    <p:tnLst>
+      <p:par>
+        <p:cTn id="1" dur="indefinite" restart="never" nodeType="tmRoot"/>
+      </p:par>
+    </p:tnLst>
+  </p:timing>
+</p:sld>
+</file>
+
+<file path=ppt/slides/slide17.xml><?xml version="1.0" encoding="utf-8"?>
+<p:sld xmlns:a="http://schemas.openxmlformats.org/drawingml/2006/main" xmlns:r="http://schemas.openxmlformats.org/officeDocument/2006/relationships" xmlns:p="http://schemas.openxmlformats.org/presentationml/2006/main">
+  <p:cSld>
+    <p:spTree>
+      <p:nvGrpSpPr>
+        <p:cNvPr id="1" name=""/>
+        <p:cNvGrpSpPr/>
+        <p:nvPr/>
+      </p:nvGrpSpPr>
+      <p:grpSpPr>
+        <a:xfrm>
+          <a:off x="0" y="0"/>
+          <a:ext cx="0" cy="0"/>
+          <a:chOff x="0" y="0"/>
+          <a:chExt cx="0" cy="0"/>
+        </a:xfrm>
+      </p:grpSpPr>
+      <p:sp>
+        <p:nvSpPr>
+          <p:cNvPr id="2" name="Title 1"/>
+          <p:cNvSpPr>
+            <a:spLocks noGrp="1"/>
+          </p:cNvSpPr>
+          <p:nvPr>
+            <p:ph type="title"/>
+          </p:nvPr>
+        </p:nvSpPr>
+        <p:spPr/>
+        <p:txBody>
+          <a:bodyPr/>
+          <a:lstStyle/>
+          <a:p>
+            <a:r>
               <a:rPr lang="en-US" dirty="0" err="1"/>
               <a:t>Thực</a:t>
             </a:r>
@@ -6511,7 +6705,7 @@
           <a:p>
             <a:fld id="{E3B08AF7-4237-6949-8335-F63F47C2C8CC}" type="slidenum">
               <a:rPr lang="en-US" smtClean="0"/>
-              <a:t>16</a:t>
+              <a:t>17</a:t>
             </a:fld>
             <a:endParaRPr lang="en-US"/>
           </a:p>
@@ -6537,7 +6731,7 @@
 </p:sld>
 </file>
 
-<file path=ppt/slides/slide17.xml><?xml version="1.0" encoding="utf-8"?>
+<file path=ppt/slides/slide18.xml><?xml version="1.0" encoding="utf-8"?>
 <p:sld xmlns:a="http://schemas.openxmlformats.org/drawingml/2006/main" xmlns:r="http://schemas.openxmlformats.org/officeDocument/2006/relationships" xmlns:p="http://schemas.openxmlformats.org/presentationml/2006/main">
   <p:cSld>
     <p:bg>
@@ -6652,7 +6846,7 @@
           <a:p>
             <a:fld id="{E3B08AF7-4237-6949-8335-F63F47C2C8CC}" type="slidenum">
               <a:rPr lang="en-US" smtClean="0"/>
-              <a:t>17</a:t>
+              <a:t>18</a:t>
             </a:fld>
             <a:endParaRPr lang="en-US" dirty="0"/>
           </a:p>
@@ -6892,8 +7086,16 @@
           <a:lstStyle/>
           <a:p>
             <a:r>
-              <a:rPr lang="vi-VN" dirty="0"/>
-              <a:t>Ưu điểm nhược điểm</a:t>
+              <a:rPr lang="en-US" dirty="0" err="1" smtClean="0"/>
+              <a:t>Định</a:t>
+            </a:r>
+            <a:r>
+              <a:rPr lang="en-US" dirty="0" smtClean="0"/>
+              <a:t> </a:t>
+            </a:r>
+            <a:r>
+              <a:rPr lang="en-US" dirty="0" err="1" smtClean="0"/>
+              <a:t>nghĩa</a:t>
             </a:r>
             <a:endParaRPr lang="en-US" dirty="0"/>
           </a:p>
@@ -6911,56 +7113,182 @@
         </p:nvSpPr>
         <p:spPr/>
         <p:txBody>
-          <a:bodyPr>
-            <a:normAutofit lnSpcReduction="10000"/>
-          </a:bodyPr>
-          <a:lstStyle/>
-          <a:p>
-            <a:r>
-              <a:rPr lang="vi-VN" dirty="0"/>
-              <a:t>Tối ưu được hiệu năng xử lý của tất cả các </a:t>
-            </a:r>
-            <a:r>
-              <a:rPr lang="vi-VN" dirty="0" smtClean="0"/>
-              <a:t>core</a:t>
-            </a:r>
-            <a:endParaRPr lang="en-US" dirty="0" smtClean="0"/>
-          </a:p>
-          <a:p>
-            <a:r>
-              <a:rPr lang="vi-VN" dirty="0"/>
-              <a:t>Các thread được lập lịch một cách độc </a:t>
-            </a:r>
-            <a:r>
-              <a:rPr lang="vi-VN" dirty="0" smtClean="0"/>
+          <a:bodyPr/>
+          <a:lstStyle/>
+          <a:p>
+            <a:r>
+              <a:rPr lang="en-US" dirty="0" smtClean="0"/>
+              <a:t>Thread </a:t>
+            </a:r>
+            <a:r>
+              <a:rPr lang="en-US" dirty="0" err="1" smtClean="0"/>
+              <a:t>là</a:t>
+            </a:r>
+            <a:r>
+              <a:rPr lang="en-US" dirty="0" smtClean="0"/>
+              <a:t> </a:t>
+            </a:r>
+            <a:r>
+              <a:rPr lang="en-US" dirty="0" err="1" smtClean="0"/>
+              <a:t>một</a:t>
+            </a:r>
+            <a:r>
+              <a:rPr lang="en-US" dirty="0" smtClean="0"/>
+              <a:t> </a:t>
+            </a:r>
+            <a:r>
+              <a:rPr lang="en-US" dirty="0" err="1" smtClean="0"/>
+              <a:t>luồng</a:t>
+            </a:r>
+            <a:r>
+              <a:rPr lang="en-US" dirty="0" smtClean="0"/>
+              <a:t> </a:t>
+            </a:r>
+            <a:r>
+              <a:rPr lang="en-US" dirty="0" err="1" smtClean="0"/>
+              <a:t>các</a:t>
+            </a:r>
+            <a:r>
+              <a:rPr lang="en-US" dirty="0" smtClean="0"/>
+              <a:t> </a:t>
+            </a:r>
+            <a:r>
+              <a:rPr lang="en-US" dirty="0" err="1" smtClean="0"/>
+              <a:t>các</a:t>
+            </a:r>
+            <a:r>
+              <a:rPr lang="en-US" dirty="0" smtClean="0"/>
+              <a:t> </a:t>
+            </a:r>
+            <a:r>
+              <a:rPr lang="en-US" dirty="0" err="1" smtClean="0"/>
+              <a:t>lệnh</a:t>
+            </a:r>
+            <a:r>
+              <a:rPr lang="en-US" dirty="0" smtClean="0"/>
+              <a:t> </a:t>
+            </a:r>
+            <a:r>
+              <a:rPr lang="en-US" dirty="0" err="1" smtClean="0"/>
+              <a:t>mà</a:t>
+            </a:r>
+            <a:r>
+              <a:rPr lang="en-US" dirty="0" smtClean="0"/>
+              <a:t> </a:t>
+            </a:r>
+            <a:r>
+              <a:rPr lang="en-US" dirty="0" err="1" smtClean="0"/>
+              <a:t>cpu</a:t>
+            </a:r>
+            <a:r>
+              <a:rPr lang="en-US" dirty="0" smtClean="0"/>
+              <a:t> </a:t>
+            </a:r>
+            <a:r>
+              <a:rPr lang="en-US" dirty="0" err="1" smtClean="0"/>
+              <a:t>coi</a:t>
+            </a:r>
+            <a:r>
+              <a:rPr lang="en-US" dirty="0" smtClean="0"/>
+              <a:t> </a:t>
+            </a:r>
+            <a:r>
+              <a:rPr lang="en-US" dirty="0" err="1" smtClean="0"/>
+              <a:t>là</a:t>
+            </a:r>
+            <a:r>
+              <a:rPr lang="en-US" dirty="0" smtClean="0"/>
+              <a:t> </a:t>
+            </a:r>
+            <a:r>
+              <a:rPr lang="en-US" dirty="0" err="1" smtClean="0"/>
+              <a:t>một</a:t>
+            </a:r>
+            <a:r>
+              <a:rPr lang="en-US" dirty="0" smtClean="0"/>
+              <a:t> </a:t>
+            </a:r>
+            <a:r>
+              <a:rPr lang="en-US" dirty="0" err="1" smtClean="0"/>
+              <a:t>đối</a:t>
+            </a:r>
+            <a:r>
+              <a:rPr lang="en-US" dirty="0" smtClean="0"/>
+              <a:t> </a:t>
+            </a:r>
+            <a:r>
+              <a:rPr lang="en-US" dirty="0" err="1" smtClean="0"/>
+              <a:t>tượng</a:t>
+            </a:r>
+            <a:r>
+              <a:rPr lang="en-US" dirty="0" smtClean="0"/>
+              <a:t> </a:t>
+            </a:r>
+            <a:r>
+              <a:rPr lang="en-US" dirty="0" err="1" smtClean="0"/>
+              <a:t>khi</a:t>
+            </a:r>
+            <a:r>
+              <a:rPr lang="en-US" dirty="0" smtClean="0"/>
+              <a:t> </a:t>
+            </a:r>
+            <a:r>
+              <a:rPr lang="en-US" dirty="0" err="1" smtClean="0"/>
+              <a:t>sử</a:t>
+            </a:r>
+            <a:r>
+              <a:rPr lang="en-US" dirty="0" smtClean="0"/>
+              <a:t> </a:t>
+            </a:r>
+            <a:r>
+              <a:rPr lang="en-US" dirty="0" err="1" smtClean="0"/>
+              <a:t>dụng</a:t>
+            </a:r>
+            <a:r>
+              <a:rPr lang="en-US" dirty="0" smtClean="0"/>
+              <a:t> </a:t>
+            </a:r>
+            <a:r>
+              <a:rPr lang="en-US" dirty="0" err="1" smtClean="0"/>
+              <a:t>bộ</a:t>
+            </a:r>
+            <a:r>
+              <a:rPr lang="en-US" dirty="0" smtClean="0"/>
+              <a:t> </a:t>
+            </a:r>
+            <a:r>
+              <a:rPr lang="en-US" dirty="0" err="1" smtClean="0"/>
               <a:t>lập</a:t>
             </a:r>
-            <a:endParaRPr lang="en-US" dirty="0" smtClean="0"/>
-          </a:p>
-          <a:p>
             <a:r>
               <a:rPr lang="en-US" dirty="0" smtClean="0"/>
-              <a:t>Nếu 1 thread </a:t>
+              <a:t> </a:t>
             </a:r>
             <a:r>
               <a:rPr lang="en-US" dirty="0" err="1" smtClean="0"/>
-              <a:t>gặp</a:t>
+              <a:t>lịch</a:t>
             </a:r>
             <a:r>
               <a:rPr lang="en-US" dirty="0" smtClean="0"/>
-              <a:t> </a:t>
+              <a:t>.</a:t>
+            </a:r>
+          </a:p>
+          <a:p>
+            <a:r>
+              <a:rPr lang="en-US" dirty="0" smtClean="0"/>
+              <a:t>Example: </a:t>
             </a:r>
             <a:r>
               <a:rPr lang="en-US" dirty="0" err="1" smtClean="0"/>
-              <a:t>lỗi</a:t>
+              <a:t>Chạy</a:t>
             </a:r>
             <a:r>
               <a:rPr lang="en-US" dirty="0" smtClean="0"/>
-              <a:t>, </a:t>
+              <a:t> </a:t>
             </a:r>
             <a:r>
               <a:rPr lang="en-US" dirty="0" err="1" smtClean="0"/>
-              <a:t>tất</a:t>
+              <a:t>đồng</a:t>
             </a:r>
             <a:r>
               <a:rPr lang="en-US" dirty="0" smtClean="0"/>
@@ -6968,45 +7296,59 @@
             </a:r>
             <a:r>
               <a:rPr lang="en-US" dirty="0" err="1" smtClean="0"/>
-              <a:t>cả</a:t>
+              <a:t>thời</a:t>
             </a:r>
             <a:r>
               <a:rPr lang="en-US" dirty="0" smtClean="0"/>
-              <a:t> các thread </a:t>
+              <a:t> </a:t>
             </a:r>
             <a:r>
               <a:rPr lang="en-US" dirty="0" err="1" smtClean="0"/>
-              <a:t>còn</a:t>
+              <a:t>scanf</a:t>
             </a:r>
             <a:r>
               <a:rPr lang="en-US" dirty="0" smtClean="0"/>
-              <a:t> lại sẽ </a:t>
+              <a:t> </a:t>
             </a:r>
             <a:r>
               <a:rPr lang="en-US" dirty="0" err="1" smtClean="0"/>
-              <a:t>bị</a:t>
+              <a:t>và</a:t>
             </a:r>
             <a:r>
               <a:rPr lang="en-US" dirty="0" smtClean="0"/>
-              <a:t> terminate.</a:t>
-            </a:r>
-            <a:endParaRPr lang="en-US" dirty="0" smtClean="0"/>
-          </a:p>
-          <a:p>
-            <a:r>
-              <a:rPr lang="vi-VN" dirty="0"/>
-              <a:t>Tránh được trạng thái block chương </a:t>
-            </a:r>
-            <a:r>
-              <a:rPr lang="vi-VN" dirty="0" smtClean="0"/>
-              <a:t>trình</a:t>
-            </a:r>
-            <a:endParaRPr lang="en-US" dirty="0" smtClean="0"/>
-          </a:p>
-          <a:p>
-            <a:r>
-              <a:rPr lang="vi-VN" dirty="0"/>
-              <a:t>Cần lưu ý đồng bộ dữ liệu giữa các thread</a:t>
+              <a:t> </a:t>
+            </a:r>
+            <a:r>
+              <a:rPr lang="en-US" dirty="0" err="1" smtClean="0"/>
+              <a:t>printf</a:t>
+            </a:r>
+            <a:r>
+              <a:rPr lang="en-US" dirty="0"/>
+              <a:t> </a:t>
+            </a:r>
+            <a:r>
+              <a:rPr lang="en-US" dirty="0" err="1" smtClean="0"/>
+              <a:t>hoặc</a:t>
+            </a:r>
+            <a:r>
+              <a:rPr lang="en-US" dirty="0" smtClean="0"/>
+              <a:t> </a:t>
+            </a:r>
+            <a:r>
+              <a:rPr lang="en-US" dirty="0" err="1" smtClean="0"/>
+              <a:t>scanf</a:t>
+            </a:r>
+            <a:r>
+              <a:rPr lang="en-US" dirty="0" smtClean="0"/>
+              <a:t> </a:t>
+            </a:r>
+            <a:r>
+              <a:rPr lang="en-US" dirty="0" err="1" smtClean="0"/>
+              <a:t>và</a:t>
+            </a:r>
+            <a:r>
+              <a:rPr lang="en-US" dirty="0" smtClean="0"/>
+              <a:t> write().</a:t>
             </a:r>
             <a:endParaRPr lang="en-US" dirty="0"/>
           </a:p>
@@ -7061,20 +7403,13 @@
     </p:spTree>
     <p:extLst>
       <p:ext uri="{BB962C8B-B14F-4D97-AF65-F5344CB8AC3E}">
-        <p14:creationId xmlns:p14="http://schemas.microsoft.com/office/powerpoint/2010/main" val="1924062193"/>
+        <p14:creationId xmlns:p14="http://schemas.microsoft.com/office/powerpoint/2010/main" val="632651756"/>
       </p:ext>
     </p:extLst>
   </p:cSld>
   <p:clrMapOvr>
     <a:masterClrMapping/>
   </p:clrMapOvr>
-  <p:timing>
-    <p:tnLst>
-      <p:par>
-        <p:cTn id="1" dur="indefinite" restart="never" nodeType="tmRoot"/>
-      </p:par>
-    </p:tnLst>
-  </p:timing>
 </p:sld>
 </file>
 
@@ -7111,21 +7446,10 @@
           <a:lstStyle/>
           <a:p>
             <a:r>
-              <a:rPr lang="en-US" dirty="0" err="1"/>
-              <a:t>Tạo</a:t>
-            </a:r>
-            <a:r>
-              <a:rPr lang="en-US" dirty="0"/>
-              <a:t> mới </a:t>
-            </a:r>
-            <a:r>
-              <a:rPr lang="en-US" dirty="0" err="1"/>
-              <a:t>một</a:t>
-            </a:r>
-            <a:r>
-              <a:rPr lang="en-US" dirty="0"/>
-              <a:t> thread</a:t>
-            </a:r>
+              <a:rPr lang="vi-VN" dirty="0"/>
+              <a:t>Ưu điểm nhược điểm</a:t>
+            </a:r>
+            <a:endParaRPr lang="en-US" dirty="0"/>
           </a:p>
         </p:txBody>
       </p:sp>
@@ -7141,89 +7465,103 @@
         </p:nvSpPr>
         <p:spPr/>
         <p:txBody>
-          <a:bodyPr/>
-          <a:lstStyle/>
-          <a:p>
-            <a:r>
-              <a:rPr lang="en-US" dirty="0"/>
-              <a:t>#include &lt;</a:t>
-            </a:r>
-            <a:r>
-              <a:rPr lang="en-US" dirty="0" err="1"/>
-              <a:t>pthread.h</a:t>
-            </a:r>
+          <a:bodyPr>
+            <a:normAutofit lnSpcReduction="10000"/>
+          </a:bodyPr>
+          <a:lstStyle/>
+          <a:p>
+            <a:r>
+              <a:rPr lang="vi-VN" dirty="0"/>
+              <a:t>Tối ưu được hiệu năng xử lý của tất cả các </a:t>
+            </a:r>
+            <a:r>
+              <a:rPr lang="vi-VN" dirty="0" smtClean="0"/>
+              <a:t>core</a:t>
+            </a:r>
+            <a:endParaRPr lang="en-US" dirty="0" smtClean="0"/>
+          </a:p>
+          <a:p>
+            <a:r>
+              <a:rPr lang="vi-VN" dirty="0"/>
+              <a:t>Các thread được lập lịch một cách độc </a:t>
+            </a:r>
+            <a:r>
+              <a:rPr lang="vi-VN" dirty="0" smtClean="0"/>
+              <a:t>lập</a:t>
+            </a:r>
+            <a:endParaRPr lang="en-US" dirty="0" smtClean="0"/>
+          </a:p>
+          <a:p>
             <a:r>
               <a:rPr lang="en-US" dirty="0" smtClean="0"/>
-              <a:t>&gt;</a:t>
-            </a:r>
-          </a:p>
-          <a:p>
-            <a:r>
-              <a:rPr lang="en-US" dirty="0"/>
-              <a:t>int </a:t>
-            </a:r>
-            <a:r>
-              <a:rPr lang="en-US" dirty="0" err="1"/>
-              <a:t>pthread_create</a:t>
-            </a:r>
-            <a:r>
-              <a:rPr lang="en-US" dirty="0"/>
-              <a:t>(</a:t>
-            </a:r>
-            <a:r>
-              <a:rPr lang="en-US" dirty="0" err="1"/>
-              <a:t>pthread_t</a:t>
-            </a:r>
-            <a:r>
-              <a:rPr lang="en-US" dirty="0"/>
-              <a:t> *restrict </a:t>
-            </a:r>
-            <a:r>
-              <a:rPr lang="en-US" dirty="0" err="1"/>
-              <a:t>tidp</a:t>
-            </a:r>
-            <a:r>
-              <a:rPr lang="en-US" dirty="0"/>
-              <a:t>, const </a:t>
-            </a:r>
-            <a:r>
-              <a:rPr lang="en-US" dirty="0" err="1"/>
-              <a:t>pthread_attr_t</a:t>
-            </a:r>
-            <a:r>
-              <a:rPr lang="en-US" dirty="0"/>
-              <a:t> *restrict </a:t>
-            </a:r>
-            <a:r>
-              <a:rPr lang="en-US" dirty="0" err="1"/>
-              <a:t>attr</a:t>
-            </a:r>
-            <a:r>
-              <a:rPr lang="en-US" dirty="0"/>
-              <a:t>, void *(*</a:t>
-            </a:r>
-            <a:r>
-              <a:rPr lang="en-US" dirty="0" err="1"/>
-              <a:t>start_rtn</a:t>
-            </a:r>
-            <a:r>
-              <a:rPr lang="en-US" dirty="0"/>
-              <a:t>)(void *), void *restrict </a:t>
-            </a:r>
-            <a:r>
-              <a:rPr lang="en-US" dirty="0" err="1"/>
-              <a:t>arg</a:t>
+              <a:t>Nếu 1 thread </a:t>
+            </a:r>
+            <a:r>
+              <a:rPr lang="en-US" dirty="0" err="1" smtClean="0"/>
+              <a:t>gặp</a:t>
             </a:r>
             <a:r>
               <a:rPr lang="en-US" dirty="0" smtClean="0"/>
-              <a:t>);</a:t>
-            </a:r>
-          </a:p>
-          <a:p>
-            <a:r>
-              <a:rPr lang="en-US" dirty="0"/>
-              <a:t>Returns: 0 if OK, error number on failure</a:t>
-            </a:r>
+              <a:t> </a:t>
+            </a:r>
+            <a:r>
+              <a:rPr lang="en-US" dirty="0" err="1" smtClean="0"/>
+              <a:t>lỗi</a:t>
+            </a:r>
+            <a:r>
+              <a:rPr lang="en-US" dirty="0" smtClean="0"/>
+              <a:t>, </a:t>
+            </a:r>
+            <a:r>
+              <a:rPr lang="en-US" dirty="0" err="1" smtClean="0"/>
+              <a:t>tất</a:t>
+            </a:r>
+            <a:r>
+              <a:rPr lang="en-US" dirty="0" smtClean="0"/>
+              <a:t> </a:t>
+            </a:r>
+            <a:r>
+              <a:rPr lang="en-US" dirty="0" err="1" smtClean="0"/>
+              <a:t>cả</a:t>
+            </a:r>
+            <a:r>
+              <a:rPr lang="en-US" dirty="0" smtClean="0"/>
+              <a:t> các thread </a:t>
+            </a:r>
+            <a:r>
+              <a:rPr lang="en-US" dirty="0" err="1" smtClean="0"/>
+              <a:t>còn</a:t>
+            </a:r>
+            <a:r>
+              <a:rPr lang="en-US" dirty="0" smtClean="0"/>
+              <a:t> lại sẽ </a:t>
+            </a:r>
+            <a:r>
+              <a:rPr lang="en-US" dirty="0" err="1" smtClean="0"/>
+              <a:t>bị</a:t>
+            </a:r>
+            <a:r>
+              <a:rPr lang="en-US" dirty="0" smtClean="0"/>
+              <a:t> terminate.</a:t>
+            </a:r>
+          </a:p>
+          <a:p>
+            <a:r>
+              <a:rPr lang="vi-VN" dirty="0"/>
+              <a:t>Tránh được trạng thái block chương </a:t>
+            </a:r>
+            <a:r>
+              <a:rPr lang="vi-VN" dirty="0" smtClean="0"/>
+              <a:t>trình</a:t>
+            </a:r>
+            <a:endParaRPr lang="en-US" dirty="0" smtClean="0"/>
+          </a:p>
+          <a:p>
+            <a:r>
+              <a:rPr lang="vi-VN" dirty="0"/>
+              <a:t>Cần lưu ý đồng bộ dữ liệu giữa các thread</a:t>
+            </a:r>
+            <a:endParaRPr lang="en-US" dirty="0"/>
           </a:p>
         </p:txBody>
       </p:sp>
@@ -7276,7 +7614,7 @@
     </p:spTree>
     <p:extLst>
       <p:ext uri="{BB962C8B-B14F-4D97-AF65-F5344CB8AC3E}">
-        <p14:creationId xmlns:p14="http://schemas.microsoft.com/office/powerpoint/2010/main" val="662612320"/>
+        <p14:creationId xmlns:p14="http://schemas.microsoft.com/office/powerpoint/2010/main" val="1924062193"/>
       </p:ext>
     </p:extLst>
   </p:cSld>
@@ -7327,19 +7665,11 @@
           <a:p>
             <a:r>
               <a:rPr lang="en-US" dirty="0" err="1"/>
-              <a:t>Kết</a:t>
-            </a:r>
-            <a:r>
-              <a:rPr lang="en-US" dirty="0"/>
-              <a:t> </a:t>
-            </a:r>
-            <a:r>
-              <a:rPr lang="en-US" dirty="0" err="1"/>
-              <a:t>thúc</a:t>
-            </a:r>
-            <a:r>
-              <a:rPr lang="en-US" dirty="0"/>
-              <a:t> </a:t>
+              <a:t>Tạo</a:t>
+            </a:r>
+            <a:r>
+              <a:rPr lang="en-US" dirty="0"/>
+              <a:t> mới </a:t>
             </a:r>
             <a:r>
               <a:rPr lang="en-US" dirty="0" err="1"/>
@@ -7364,122 +7694,30 @@
         </p:nvSpPr>
         <p:spPr/>
         <p:txBody>
-          <a:bodyPr>
-            <a:normAutofit fontScale="85000" lnSpcReduction="10000"/>
-          </a:bodyPr>
-          <a:lstStyle/>
-          <a:p>
-            <a:r>
-              <a:rPr lang="en-US" dirty="0"/>
-              <a:t>Thread call </a:t>
-            </a:r>
-            <a:r>
-              <a:rPr lang="en-US" dirty="0" err="1"/>
-              <a:t>pthread_exit</a:t>
-            </a:r>
-            <a:r>
-              <a:rPr lang="en-US" dirty="0"/>
-              <a:t>, return </a:t>
-            </a:r>
-            <a:r>
-              <a:rPr lang="en-US" dirty="0" err="1"/>
-              <a:t>hoặc</a:t>
-            </a:r>
-            <a:r>
-              <a:rPr lang="en-US" dirty="0"/>
-              <a:t> </a:t>
-            </a:r>
-            <a:r>
-              <a:rPr lang="en-US" dirty="0" err="1"/>
-              <a:t>bị</a:t>
-            </a:r>
-            <a:r>
-              <a:rPr lang="en-US" dirty="0"/>
-              <a:t> cancel </a:t>
-            </a:r>
-            <a:r>
-              <a:rPr lang="en-US" dirty="0" err="1"/>
-              <a:t>bởi</a:t>
-            </a:r>
-            <a:r>
-              <a:rPr lang="en-US" dirty="0"/>
-              <a:t> 1 thread </a:t>
-            </a:r>
-            <a:r>
-              <a:rPr lang="en-US" dirty="0" err="1"/>
-              <a:t>khác</a:t>
+          <a:bodyPr/>
+          <a:lstStyle/>
+          <a:p>
+            <a:r>
+              <a:rPr lang="en-US" dirty="0"/>
+              <a:t>#include &lt;</a:t>
+            </a:r>
+            <a:r>
+              <a:rPr lang="en-US" dirty="0" err="1"/>
+              <a:t>pthread.h</a:t>
             </a:r>
             <a:r>
               <a:rPr lang="en-US" dirty="0" smtClean="0"/>
-              <a:t>.</a:t>
-            </a:r>
-          </a:p>
-          <a:p>
-            <a:pPr lvl="1"/>
-            <a:r>
-              <a:rPr lang="en-US" dirty="0"/>
-              <a:t>void </a:t>
-            </a:r>
-            <a:r>
-              <a:rPr lang="en-US" dirty="0" err="1"/>
-              <a:t>pthread_exit</a:t>
-            </a:r>
-            <a:r>
-              <a:rPr lang="en-US" dirty="0"/>
-              <a:t>(void *</a:t>
-            </a:r>
-            <a:r>
-              <a:rPr lang="en-US" dirty="0" err="1"/>
-              <a:t>rval_ptr</a:t>
-            </a:r>
-            <a:r>
-              <a:rPr lang="en-US" dirty="0" smtClean="0"/>
-              <a:t>)</a:t>
-            </a:r>
-          </a:p>
-          <a:p>
-            <a:r>
-              <a:rPr lang="en-US" dirty="0"/>
-              <a:t>1 thread </a:t>
-            </a:r>
-            <a:r>
-              <a:rPr lang="en-US" dirty="0" err="1"/>
-              <a:t>khác</a:t>
-            </a:r>
-            <a:r>
-              <a:rPr lang="en-US" dirty="0"/>
-              <a:t> </a:t>
-            </a:r>
-            <a:r>
-              <a:rPr lang="en-US" dirty="0" err="1"/>
-              <a:t>phải</a:t>
-            </a:r>
-            <a:r>
-              <a:rPr lang="en-US" dirty="0"/>
-              <a:t> clear resource của thread </a:t>
-            </a:r>
-            <a:r>
-              <a:rPr lang="en-US" dirty="0" err="1"/>
-              <a:t>đã</a:t>
-            </a:r>
-            <a:r>
-              <a:rPr lang="en-US" dirty="0"/>
-              <a:t> </a:t>
-            </a:r>
-            <a:r>
-              <a:rPr lang="en-US" dirty="0" smtClean="0"/>
-              <a:t>exit</a:t>
-            </a:r>
-          </a:p>
-          <a:p>
-            <a:pPr lvl="1"/>
+              <a:t>&gt;</a:t>
+            </a:r>
+          </a:p>
+          <a:p>
             <a:r>
               <a:rPr lang="en-US" dirty="0"/>
               <a:t>int </a:t>
             </a:r>
             <a:r>
               <a:rPr lang="en-US" dirty="0" err="1"/>
-              <a:t>pthread_cancel</a:t>
+              <a:t>pthread_create</a:t>
             </a:r>
             <a:r>
               <a:rPr lang="en-US" dirty="0"/>
@@ -7491,11 +7729,43 @@
             </a:r>
             <a:r>
               <a:rPr lang="en-US" dirty="0"/>
-              <a:t> </a:t>
-            </a:r>
-            <a:r>
-              <a:rPr lang="en-US" i="1" dirty="0" err="1"/>
-              <a:t>tid</a:t>
+              <a:t> *restrict </a:t>
+            </a:r>
+            <a:r>
+              <a:rPr lang="en-US" dirty="0" err="1"/>
+              <a:t>tidp</a:t>
+            </a:r>
+            <a:r>
+              <a:rPr lang="en-US" dirty="0"/>
+              <a:t>, const </a:t>
+            </a:r>
+            <a:r>
+              <a:rPr lang="en-US" dirty="0" err="1"/>
+              <a:t>pthread_attr_t</a:t>
+            </a:r>
+            <a:r>
+              <a:rPr lang="en-US" dirty="0"/>
+              <a:t> *restrict </a:t>
+            </a:r>
+            <a:r>
+              <a:rPr lang="en-US" dirty="0" err="1"/>
+              <a:t>attr</a:t>
+            </a:r>
+            <a:r>
+              <a:rPr lang="en-US" dirty="0"/>
+              <a:t>, void *(*</a:t>
+            </a:r>
+            <a:r>
+              <a:rPr lang="en-US" dirty="0" err="1"/>
+              <a:t>start_rtn</a:t>
+            </a:r>
+            <a:r>
+              <a:rPr lang="en-US" dirty="0"/>
+              <a:t>)(void *), void *restrict </a:t>
+            </a:r>
+            <a:r>
+              <a:rPr lang="en-US" dirty="0" err="1"/>
+              <a:t>arg</a:t>
             </a:r>
             <a:r>
               <a:rPr lang="en-US" dirty="0" smtClean="0"/>
@@ -7505,76 +7775,8 @@
           <a:p>
             <a:r>
               <a:rPr lang="en-US" dirty="0"/>
-              <a:t>int </a:t>
-            </a:r>
-            <a:r>
-              <a:rPr lang="en-US" dirty="0" err="1"/>
-              <a:t>pthread_join</a:t>
-            </a:r>
-            <a:r>
-              <a:rPr lang="en-US" dirty="0"/>
-              <a:t>(</a:t>
-            </a:r>
-            <a:r>
-              <a:rPr lang="en-US" dirty="0" err="1"/>
-              <a:t>pthread_t</a:t>
-            </a:r>
-            <a:r>
-              <a:rPr lang="en-US" dirty="0"/>
-              <a:t> thread, void **</a:t>
-            </a:r>
-            <a:r>
-              <a:rPr lang="en-US" dirty="0" err="1"/>
-              <a:t>rval_ptr</a:t>
-            </a:r>
-            <a:r>
-              <a:rPr lang="en-US" dirty="0" smtClean="0"/>
-              <a:t>)</a:t>
-            </a:r>
-          </a:p>
-          <a:p>
-            <a:pPr lvl="1"/>
-            <a:r>
-              <a:rPr lang="en-US" dirty="0"/>
-              <a:t>Block cho </a:t>
-            </a:r>
-            <a:r>
-              <a:rPr lang="en-US" dirty="0" err="1"/>
-              <a:t>đến</a:t>
-            </a:r>
-            <a:r>
-              <a:rPr lang="en-US" dirty="0"/>
-              <a:t> </a:t>
-            </a:r>
-            <a:r>
-              <a:rPr lang="en-US" dirty="0" err="1"/>
-              <a:t>khi</a:t>
-            </a:r>
-            <a:r>
-              <a:rPr lang="en-US" dirty="0"/>
-              <a:t> thread cần đợi </a:t>
-            </a:r>
-            <a:r>
-              <a:rPr lang="en-US" dirty="0" err="1"/>
-              <a:t>kết</a:t>
-            </a:r>
-            <a:r>
-              <a:rPr lang="en-US" dirty="0"/>
-              <a:t> </a:t>
-            </a:r>
-            <a:r>
-              <a:rPr lang="en-US" dirty="0" err="1" smtClean="0"/>
-              <a:t>thúc</a:t>
-            </a:r>
-            <a:endParaRPr lang="en-US" dirty="0" smtClean="0"/>
-          </a:p>
-          <a:p>
-            <a:pPr lvl="1"/>
-            <a:r>
-              <a:rPr lang="vi-VN" dirty="0"/>
-              <a:t>Return EINVAL nếu thread kia đã kết thúc từ trước</a:t>
-            </a:r>
-            <a:endParaRPr lang="en-US" dirty="0"/>
+              <a:t>Returns: 0 if OK, error number on failure</a:t>
+            </a:r>
           </a:p>
         </p:txBody>
       </p:sp>
@@ -7627,7 +7829,7 @@
     </p:spTree>
     <p:extLst>
       <p:ext uri="{BB962C8B-B14F-4D97-AF65-F5344CB8AC3E}">
-        <p14:creationId xmlns:p14="http://schemas.microsoft.com/office/powerpoint/2010/main" val="1448963960"/>
+        <p14:creationId xmlns:p14="http://schemas.microsoft.com/office/powerpoint/2010/main" val="662612320"/>
       </p:ext>
     </p:extLst>
   </p:cSld>
@@ -7678,17 +7880,28 @@
           <a:p>
             <a:r>
               <a:rPr lang="en-US" dirty="0" err="1"/>
-              <a:t>Thực</a:t>
-            </a:r>
-            <a:r>
-              <a:rPr lang="en-US" dirty="0"/>
-              <a:t> </a:t>
-            </a:r>
-            <a:r>
-              <a:rPr lang="en-US" dirty="0" err="1"/>
-              <a:t>hành</a:t>
-            </a:r>
-            <a:endParaRPr lang="en-US" dirty="0"/>
+              <a:t>Kết</a:t>
+            </a:r>
+            <a:r>
+              <a:rPr lang="en-US" dirty="0"/>
+              <a:t> </a:t>
+            </a:r>
+            <a:r>
+              <a:rPr lang="en-US" dirty="0" err="1"/>
+              <a:t>thúc</a:t>
+            </a:r>
+            <a:r>
+              <a:rPr lang="en-US" dirty="0"/>
+              <a:t> </a:t>
+            </a:r>
+            <a:r>
+              <a:rPr lang="en-US" dirty="0" err="1"/>
+              <a:t>một</a:t>
+            </a:r>
+            <a:r>
+              <a:rPr lang="en-US" dirty="0"/>
+              <a:t> thread</a:t>
+            </a:r>
           </a:p>
         </p:txBody>
       </p:sp>
@@ -7705,24 +7918,214 @@
         <p:spPr/>
         <p:txBody>
           <a:bodyPr>
-            <a:normAutofit fontScale="92500" lnSpcReduction="10000"/>
+            <a:normAutofit fontScale="85000" lnSpcReduction="10000"/>
           </a:bodyPr>
           <a:lstStyle/>
           <a:p>
             <a:r>
+              <a:rPr lang="en-US" dirty="0"/>
+              <a:t>Thread call </a:t>
+            </a:r>
+            <a:r>
+              <a:rPr lang="en-US" dirty="0" err="1"/>
+              <a:t>pthread_exit</a:t>
+            </a:r>
+            <a:r>
+              <a:rPr lang="en-US" dirty="0"/>
+              <a:t>, return </a:t>
+            </a:r>
+            <a:r>
+              <a:rPr lang="en-US" dirty="0" err="1"/>
+              <a:t>hoặc</a:t>
+            </a:r>
+            <a:r>
+              <a:rPr lang="en-US" dirty="0"/>
+              <a:t> </a:t>
+            </a:r>
+            <a:r>
+              <a:rPr lang="en-US" dirty="0" err="1"/>
+              <a:t>bị</a:t>
+            </a:r>
+            <a:r>
+              <a:rPr lang="en-US" dirty="0"/>
+              <a:t> cancel </a:t>
+            </a:r>
+            <a:r>
+              <a:rPr lang="en-US" dirty="0" err="1"/>
+              <a:t>bởi</a:t>
+            </a:r>
+            <a:r>
+              <a:rPr lang="en-US" dirty="0"/>
+              <a:t> 1 thread </a:t>
+            </a:r>
+            <a:r>
+              <a:rPr lang="en-US" dirty="0" err="1"/>
+              <a:t>khác</a:t>
+            </a:r>
+            <a:r>
+              <a:rPr lang="en-US" dirty="0" smtClean="0"/>
+              <a:t>.</a:t>
+            </a:r>
+          </a:p>
+          <a:p>
+            <a:pPr lvl="1"/>
+            <a:r>
+              <a:rPr lang="en-US" dirty="0"/>
+              <a:t>void </a:t>
+            </a:r>
+            <a:r>
+              <a:rPr lang="en-US" dirty="0" err="1"/>
+              <a:t>pthread_exit</a:t>
+            </a:r>
+            <a:r>
+              <a:rPr lang="en-US" dirty="0"/>
+              <a:t>(void *</a:t>
+            </a:r>
+            <a:r>
+              <a:rPr lang="en-US" dirty="0" err="1"/>
+              <a:t>rval_ptr</a:t>
+            </a:r>
+            <a:r>
+              <a:rPr lang="en-US" dirty="0" smtClean="0"/>
+              <a:t>)</a:t>
+            </a:r>
+          </a:p>
+          <a:p>
+            <a:r>
+              <a:rPr lang="en-US" dirty="0"/>
+              <a:t>1 thread </a:t>
+            </a:r>
+            <a:r>
+              <a:rPr lang="en-US" dirty="0" err="1"/>
+              <a:t>khác</a:t>
+            </a:r>
+            <a:r>
+              <a:rPr lang="en-US" dirty="0"/>
+              <a:t> </a:t>
+            </a:r>
+            <a:r>
+              <a:rPr lang="en-US" dirty="0" err="1"/>
+              <a:t>phải</a:t>
+            </a:r>
+            <a:r>
+              <a:rPr lang="en-US" dirty="0"/>
+              <a:t> clear resource của thread </a:t>
+            </a:r>
+            <a:r>
+              <a:rPr lang="en-US" dirty="0" err="1"/>
+              <a:t>đã</a:t>
+            </a:r>
+            <a:r>
+              <a:rPr lang="en-US" dirty="0"/>
+              <a:t> </a:t>
+            </a:r>
+            <a:r>
+              <a:rPr lang="en-US" dirty="0" smtClean="0"/>
+              <a:t>exit</a:t>
+            </a:r>
+          </a:p>
+          <a:p>
+            <a:pPr lvl="1"/>
+            <a:r>
+              <a:rPr lang="en-US" dirty="0"/>
+              <a:t>int </a:t>
+            </a:r>
+            <a:r>
+              <a:rPr lang="en-US" dirty="0" err="1"/>
+              <a:t>pthread_cancel</a:t>
+            </a:r>
+            <a:r>
+              <a:rPr lang="en-US" dirty="0"/>
+              <a:t>(</a:t>
+            </a:r>
+            <a:r>
+              <a:rPr lang="en-US" dirty="0" err="1"/>
+              <a:t>pthread_t</a:t>
+            </a:r>
+            <a:r>
+              <a:rPr lang="en-US" dirty="0"/>
+              <a:t> </a:t>
+            </a:r>
+            <a:r>
+              <a:rPr lang="en-US" i="1" dirty="0" err="1"/>
+              <a:t>tid</a:t>
+            </a:r>
+            <a:r>
+              <a:rPr lang="en-US" dirty="0" smtClean="0"/>
+              <a:t>);</a:t>
+            </a:r>
+          </a:p>
+          <a:p>
+            <a:r>
+              <a:rPr lang="en-US" dirty="0"/>
+              <a:t>int </a:t>
+            </a:r>
+            <a:r>
+              <a:rPr lang="en-US" dirty="0" err="1"/>
+              <a:t>pthread_join</a:t>
+            </a:r>
+            <a:r>
+              <a:rPr lang="en-US" dirty="0"/>
+              <a:t>(</a:t>
+            </a:r>
+            <a:r>
+              <a:rPr lang="en-US" dirty="0" err="1"/>
+              <a:t>pthread_t</a:t>
+            </a:r>
+            <a:r>
+              <a:rPr lang="en-US" dirty="0"/>
+              <a:t> thread, void **</a:t>
+            </a:r>
+            <a:r>
+              <a:rPr lang="en-US" dirty="0" err="1"/>
+              <a:t>rval_ptr</a:t>
+            </a:r>
+            <a:r>
+              <a:rPr lang="en-US" dirty="0" smtClean="0"/>
+              <a:t>)</a:t>
+            </a:r>
+          </a:p>
+          <a:p>
+            <a:pPr lvl="1"/>
+            <a:r>
+              <a:rPr lang="en-US" dirty="0"/>
+              <a:t>Block cho </a:t>
+            </a:r>
+            <a:r>
+              <a:rPr lang="en-US" dirty="0" err="1"/>
+              <a:t>đến</a:t>
+            </a:r>
+            <a:r>
+              <a:rPr lang="en-US" dirty="0"/>
+              <a:t> </a:t>
+            </a:r>
+            <a:r>
+              <a:rPr lang="en-US" dirty="0" err="1"/>
+              <a:t>khi</a:t>
+            </a:r>
+            <a:r>
+              <a:rPr lang="en-US" dirty="0"/>
+              <a:t> thread cần đợi </a:t>
+            </a:r>
+            <a:r>
+              <a:rPr lang="en-US" dirty="0" err="1"/>
+              <a:t>kết</a:t>
+            </a:r>
+            <a:r>
+              <a:rPr lang="en-US" dirty="0"/>
+              <a:t> </a:t>
+            </a:r>
+            <a:r>
+              <a:rPr lang="en-US" dirty="0" err="1" smtClean="0"/>
+              <a:t>thúc</a:t>
+            </a:r>
+            <a:endParaRPr lang="en-US" dirty="0" smtClean="0"/>
+          </a:p>
+          <a:p>
+            <a:pPr lvl="1"/>
+            <a:r>
               <a:rPr lang="vi-VN" dirty="0"/>
-              <a:t>Đếm số lượng số lẻ từ 1 đến 100 tỷ. Code theo 2 trường hợp, trường hợp 1 sử dụng multithread, trường hợp 2 không sử dụng multithread. So sánh thời gian của 2 trường hợp</a:t>
-            </a:r>
-            <a:r>
-              <a:rPr lang="vi-VN" dirty="0" smtClean="0"/>
-              <a:t>.</a:t>
-            </a:r>
-            <a:endParaRPr lang="en-US" dirty="0" smtClean="0"/>
-          </a:p>
-          <a:p>
-            <a:r>
-              <a:rPr lang="vi-VN" dirty="0"/>
-              <a:t>Viết 1 chương trình C tạo 10 file, mỗi file chứa 5 triệu số ngẫu nhiên có 1 chữ số. Sử dụng multithread và không multithread rồi so sánh thời gian.</a:t>
+              <a:t>Return EINVAL nếu thread kia đã kết thúc từ trước</a:t>
             </a:r>
             <a:endParaRPr lang="en-US" dirty="0"/>
           </a:p>
@@ -7777,7 +8180,7 @@
     </p:spTree>
     <p:extLst>
       <p:ext uri="{BB962C8B-B14F-4D97-AF65-F5344CB8AC3E}">
-        <p14:creationId xmlns:p14="http://schemas.microsoft.com/office/powerpoint/2010/main" val="1633259557"/>
+        <p14:creationId xmlns:p14="http://schemas.microsoft.com/office/powerpoint/2010/main" val="1448963960"/>
       </p:ext>
     </p:extLst>
   </p:cSld>
@@ -7827,18 +8230,18 @@
           <a:lstStyle/>
           <a:p>
             <a:r>
-              <a:rPr lang="vi-VN" sz="3000" dirty="0"/>
-              <a:t>Các phương thức đồng </a:t>
-            </a:r>
-            <a:r>
-              <a:rPr lang="en-US" sz="3000" dirty="0" err="1" smtClean="0"/>
-              <a:t>giữa</a:t>
-            </a:r>
-            <a:r>
-              <a:rPr lang="en-US" sz="3000" dirty="0" smtClean="0"/>
-              <a:t> các threads</a:t>
-            </a:r>
-            <a:endParaRPr lang="en-US" sz="3000" dirty="0"/>
+              <a:rPr lang="en-US" dirty="0" err="1"/>
+              <a:t>Thực</a:t>
+            </a:r>
+            <a:r>
+              <a:rPr lang="en-US" dirty="0"/>
+              <a:t> </a:t>
+            </a:r>
+            <a:r>
+              <a:rPr lang="en-US" dirty="0" err="1"/>
+              <a:t>hành</a:t>
+            </a:r>
+            <a:endParaRPr lang="en-US" dirty="0"/>
           </a:p>
         </p:txBody>
       </p:sp>
@@ -7854,9 +8257,26 @@
         </p:nvSpPr>
         <p:spPr/>
         <p:txBody>
-          <a:bodyPr/>
-          <a:lstStyle/>
-          <a:p>
+          <a:bodyPr>
+            <a:normAutofit fontScale="92500" lnSpcReduction="10000"/>
+          </a:bodyPr>
+          <a:lstStyle/>
+          <a:p>
+            <a:r>
+              <a:rPr lang="vi-VN" dirty="0"/>
+              <a:t>Đếm số lượng số lẻ từ 1 đến 100 tỷ. Code theo 2 trường hợp, trường hợp 1 sử dụng multithread, trường hợp 2 không sử dụng multithread. So sánh thời gian của 2 trường hợp</a:t>
+            </a:r>
+            <a:r>
+              <a:rPr lang="vi-VN" dirty="0" smtClean="0"/>
+              <a:t>.</a:t>
+            </a:r>
+            <a:endParaRPr lang="en-US" dirty="0" smtClean="0"/>
+          </a:p>
+          <a:p>
+            <a:r>
+              <a:rPr lang="vi-VN" dirty="0"/>
+              <a:t>Viết 1 chương trình C tạo 10 file, mỗi file chứa 5 triệu số ngẫu nhiên có 1 chữ số. Sử dụng multithread và không multithread rồi so sánh thời gian.</a:t>
+            </a:r>
             <a:endParaRPr lang="en-US" dirty="0"/>
           </a:p>
         </p:txBody>
@@ -7910,7 +8330,7 @@
     </p:spTree>
     <p:extLst>
       <p:ext uri="{BB962C8B-B14F-4D97-AF65-F5344CB8AC3E}">
-        <p14:creationId xmlns:p14="http://schemas.microsoft.com/office/powerpoint/2010/main" val="1360555414"/>
+        <p14:creationId xmlns:p14="http://schemas.microsoft.com/office/powerpoint/2010/main" val="1633259557"/>
       </p:ext>
     </p:extLst>
   </p:cSld>
@@ -7946,7 +8366,7 @@
       </p:grpSpPr>
       <p:sp>
         <p:nvSpPr>
-          <p:cNvPr id="2" name="Title 1"/>
+          <p:cNvPr id="8" name="Title 7"/>
           <p:cNvSpPr>
             <a:spLocks noGrp="1"/>
           </p:cNvSpPr>
@@ -7959,214 +8379,67 @@
           <a:bodyPr/>
           <a:lstStyle/>
           <a:p>
-            <a:r>
-              <a:rPr lang="en-US" sz="3000" dirty="0" err="1"/>
-              <a:t>Mất</a:t>
-            </a:r>
-            <a:r>
-              <a:rPr lang="en-US" sz="3000" dirty="0"/>
-              <a:t> </a:t>
-            </a:r>
-            <a:r>
-              <a:rPr lang="en-US" sz="3000" dirty="0" err="1"/>
-              <a:t>đồng</a:t>
-            </a:r>
-            <a:r>
-              <a:rPr lang="en-US" sz="3000" dirty="0"/>
-              <a:t> </a:t>
-            </a:r>
-            <a:r>
-              <a:rPr lang="en-US" sz="3000" dirty="0" err="1"/>
-              <a:t>bộ</a:t>
-            </a:r>
-            <a:r>
-              <a:rPr lang="en-US" sz="3000" dirty="0"/>
-              <a:t> dữ liệu </a:t>
-            </a:r>
-            <a:r>
-              <a:rPr lang="en-US" sz="3000" dirty="0" err="1"/>
+            <a:endParaRPr lang="en-US"/>
+          </a:p>
+        </p:txBody>
+      </p:sp>
+      <p:sp>
+        <p:nvSpPr>
+          <p:cNvPr id="9" name="Text Placeholder 8"/>
+          <p:cNvSpPr>
+            <a:spLocks noGrp="1"/>
+          </p:cNvSpPr>
+          <p:nvPr>
+            <p:ph type="body" idx="1"/>
+          </p:nvPr>
+        </p:nvSpPr>
+        <p:spPr/>
+        <p:txBody>
+          <a:bodyPr>
+            <a:normAutofit/>
+          </a:bodyPr>
+          <a:lstStyle/>
+          <a:p>
+            <a:pPr algn="ctr"/>
+            <a:r>
+              <a:rPr lang="vi-VN" sz="2800" dirty="0">
+                <a:solidFill>
+                  <a:schemeClr val="tx1"/>
+                </a:solidFill>
+              </a:rPr>
+              <a:t>Các phương thức đồng </a:t>
+            </a:r>
+            <a:r>
+              <a:rPr lang="en-US" sz="2800" dirty="0" err="1">
+                <a:solidFill>
+                  <a:schemeClr val="tx1"/>
+                </a:solidFill>
+              </a:rPr>
               <a:t>giữa</a:t>
             </a:r>
             <a:r>
-              <a:rPr lang="en-US" sz="3000" dirty="0"/>
-              <a:t> các thread</a:t>
-            </a:r>
-          </a:p>
-        </p:txBody>
-      </p:sp>
-      <p:sp>
-        <p:nvSpPr>
-          <p:cNvPr id="3" name="Content Placeholder 2"/>
-          <p:cNvSpPr>
-            <a:spLocks noGrp="1"/>
-          </p:cNvSpPr>
-          <p:nvPr>
-            <p:ph idx="1"/>
-          </p:nvPr>
-        </p:nvSpPr>
-        <p:spPr/>
-        <p:txBody>
-          <a:bodyPr/>
-          <a:lstStyle/>
-          <a:p>
-            <a:r>
-              <a:rPr lang="en-US" dirty="0" err="1"/>
-              <a:t>Ví</a:t>
-            </a:r>
-            <a:r>
-              <a:rPr lang="en-US" dirty="0"/>
-              <a:t> </a:t>
-            </a:r>
-            <a:r>
-              <a:rPr lang="en-US" dirty="0" err="1"/>
-              <a:t>dụ</a:t>
-            </a:r>
-            <a:r>
-              <a:rPr lang="en-US" dirty="0"/>
-              <a:t> minh </a:t>
-            </a:r>
-            <a:r>
-              <a:rPr lang="en-US" dirty="0" err="1"/>
-              <a:t>họa</a:t>
-            </a:r>
-            <a:r>
-              <a:rPr lang="en-US" dirty="0"/>
-              <a:t> về </a:t>
-            </a:r>
-            <a:r>
-              <a:rPr lang="en-US" dirty="0" err="1"/>
-              <a:t>mất</a:t>
-            </a:r>
-            <a:r>
-              <a:rPr lang="en-US" dirty="0"/>
-              <a:t> </a:t>
-            </a:r>
-            <a:r>
-              <a:rPr lang="en-US" dirty="0" err="1"/>
-              <a:t>đồng</a:t>
-            </a:r>
-            <a:r>
-              <a:rPr lang="en-US" dirty="0"/>
-              <a:t> </a:t>
-            </a:r>
-            <a:r>
-              <a:rPr lang="en-US" dirty="0" err="1"/>
-              <a:t>bộ</a:t>
-            </a:r>
-            <a:r>
-              <a:rPr lang="en-US" dirty="0"/>
-              <a:t> </a:t>
-            </a:r>
-            <a:r>
-              <a:rPr lang="en-US" dirty="0" err="1"/>
-              <a:t>khi</a:t>
-            </a:r>
-            <a:r>
-              <a:rPr lang="en-US" dirty="0"/>
-              <a:t> 2 thread </a:t>
-            </a:r>
-            <a:r>
-              <a:rPr lang="en-US" dirty="0" err="1"/>
-              <a:t>cùng</a:t>
-            </a:r>
-            <a:r>
-              <a:rPr lang="en-US" dirty="0"/>
-              <a:t> </a:t>
-            </a:r>
-            <a:r>
-              <a:rPr lang="en-US" dirty="0" err="1"/>
-              <a:t>đọc</a:t>
-            </a:r>
-            <a:r>
-              <a:rPr lang="en-US" dirty="0"/>
-              <a:t> </a:t>
-            </a:r>
-            <a:r>
-              <a:rPr lang="en-US" dirty="0" err="1"/>
-              <a:t>ghi</a:t>
-            </a:r>
-            <a:r>
-              <a:rPr lang="en-US" dirty="0"/>
-              <a:t> </a:t>
-            </a:r>
-            <a:r>
-              <a:rPr lang="en-US" dirty="0" err="1"/>
-              <a:t>vào</a:t>
-            </a:r>
-            <a:r>
-              <a:rPr lang="en-US" dirty="0"/>
-              <a:t> 1 </a:t>
-            </a:r>
-            <a:r>
-              <a:rPr lang="en-US" dirty="0" err="1" smtClean="0"/>
-              <a:t>biến</a:t>
-            </a:r>
-            <a:endParaRPr lang="en-US" dirty="0" smtClean="0"/>
-          </a:p>
-          <a:p>
-            <a:r>
-              <a:rPr lang="en-US" dirty="0" err="1"/>
-              <a:t>Mất</a:t>
-            </a:r>
-            <a:r>
-              <a:rPr lang="en-US" dirty="0"/>
-              <a:t> </a:t>
-            </a:r>
-            <a:r>
-              <a:rPr lang="en-US" dirty="0" err="1"/>
-              <a:t>đồng</a:t>
-            </a:r>
-            <a:r>
-              <a:rPr lang="en-US" dirty="0"/>
-              <a:t> </a:t>
-            </a:r>
-            <a:r>
-              <a:rPr lang="en-US" dirty="0" err="1"/>
-              <a:t>bộ</a:t>
-            </a:r>
-            <a:r>
-              <a:rPr lang="en-US" dirty="0"/>
-              <a:t> </a:t>
-            </a:r>
-            <a:r>
-              <a:rPr lang="en-US" dirty="0" err="1"/>
-              <a:t>ghi</a:t>
-            </a:r>
-            <a:r>
-              <a:rPr lang="en-US" dirty="0"/>
-              <a:t> </a:t>
-            </a:r>
-            <a:r>
-              <a:rPr lang="en-US" dirty="0" err="1"/>
-              <a:t>đọc</a:t>
-            </a:r>
-            <a:r>
-              <a:rPr lang="en-US" dirty="0"/>
-              <a:t> </a:t>
-            </a:r>
-            <a:r>
-              <a:rPr lang="en-US" dirty="0" err="1"/>
-              <a:t>ghi</a:t>
-            </a:r>
-            <a:r>
-              <a:rPr lang="en-US" dirty="0"/>
-              <a:t> </a:t>
-            </a:r>
-            <a:r>
-              <a:rPr lang="en-US" dirty="0" err="1"/>
-              <a:t>vào</a:t>
-            </a:r>
-            <a:r>
-              <a:rPr lang="en-US" dirty="0"/>
-              <a:t> </a:t>
-            </a:r>
-            <a:r>
-              <a:rPr lang="en-US" dirty="0" err="1"/>
-              <a:t>mảng</a:t>
-            </a:r>
-            <a:r>
-              <a:rPr lang="en-US" dirty="0"/>
-              <a:t> và file</a:t>
+              <a:rPr lang="en-US" sz="2800" dirty="0">
+                <a:solidFill>
+                  <a:schemeClr val="tx1"/>
+                </a:solidFill>
+              </a:rPr>
+              <a:t> </a:t>
+            </a:r>
+            <a:r>
+              <a:rPr lang="en-US" sz="2800" dirty="0" err="1">
+                <a:solidFill>
+                  <a:schemeClr val="tx1"/>
+                </a:solidFill>
+              </a:rPr>
+              <a:t>các</a:t>
+            </a:r>
+            <a:r>
+              <a:rPr lang="en-US" sz="2800" dirty="0">
+                <a:solidFill>
+                  <a:schemeClr val="tx1"/>
+                </a:solidFill>
+              </a:rPr>
+              <a:t> threads</a:t>
             </a:r>
           </a:p>
         </p:txBody>
@@ -8220,7 +8493,7 @@
     </p:spTree>
     <p:extLst>
       <p:ext uri="{BB962C8B-B14F-4D97-AF65-F5344CB8AC3E}">
-        <p14:creationId xmlns:p14="http://schemas.microsoft.com/office/powerpoint/2010/main" val="2179118515"/>
+        <p14:creationId xmlns:p14="http://schemas.microsoft.com/office/powerpoint/2010/main" val="1360555414"/>
       </p:ext>
     </p:extLst>
   </p:cSld>
@@ -8270,10 +8543,37 @@
           <a:lstStyle/>
           <a:p>
             <a:r>
-              <a:rPr lang="en-US" dirty="0" err="1"/>
-              <a:t>Mutex</a:t>
-            </a:r>
-            <a:endParaRPr lang="en-US" dirty="0"/>
+              <a:rPr lang="en-US" sz="3000" dirty="0" err="1"/>
+              <a:t>Mất</a:t>
+            </a:r>
+            <a:r>
+              <a:rPr lang="en-US" sz="3000" dirty="0"/>
+              <a:t> </a:t>
+            </a:r>
+            <a:r>
+              <a:rPr lang="en-US" sz="3000" dirty="0" err="1"/>
+              <a:t>đồng</a:t>
+            </a:r>
+            <a:r>
+              <a:rPr lang="en-US" sz="3000" dirty="0"/>
+              <a:t> </a:t>
+            </a:r>
+            <a:r>
+              <a:rPr lang="en-US" sz="3000" dirty="0" err="1"/>
+              <a:t>bộ</a:t>
+            </a:r>
+            <a:r>
+              <a:rPr lang="en-US" sz="3000" dirty="0"/>
+              <a:t> dữ liệu </a:t>
+            </a:r>
+            <a:r>
+              <a:rPr lang="en-US" sz="3000" dirty="0" err="1"/>
+              <a:t>giữa</a:t>
+            </a:r>
+            <a:r>
+              <a:rPr lang="en-US" sz="3000" dirty="0"/>
+              <a:t> các thread</a:t>
+            </a:r>
           </a:p>
         </p:txBody>
       </p:sp>
@@ -8289,54 +8589,168 @@
         </p:nvSpPr>
         <p:spPr/>
         <p:txBody>
-          <a:bodyPr>
-            <a:normAutofit/>
-          </a:bodyPr>
-          <a:lstStyle/>
-          <a:p>
-            <a:r>
-              <a:rPr lang="en-US" dirty="0" err="1"/>
-              <a:t>Chỉ</a:t>
-            </a:r>
-            <a:r>
-              <a:rPr lang="en-US" dirty="0"/>
-              <a:t> có </a:t>
-            </a:r>
-            <a:r>
-              <a:rPr lang="en-US" dirty="0" err="1"/>
-              <a:t>một</a:t>
-            </a:r>
-            <a:r>
-              <a:rPr lang="en-US" dirty="0"/>
-              <a:t> khóa </a:t>
-            </a:r>
-            <a:r>
-              <a:rPr lang="en-US" dirty="0" err="1"/>
-              <a:t>duy</a:t>
-            </a:r>
-            <a:r>
-              <a:rPr lang="en-US" dirty="0"/>
-              <a:t> </a:t>
-            </a:r>
-            <a:r>
-              <a:rPr lang="en-US" dirty="0" err="1"/>
-              <a:t>nhất</a:t>
-            </a:r>
-            <a:r>
-              <a:rPr lang="en-US" dirty="0" smtClean="0"/>
-              <a:t>.</a:t>
-            </a:r>
-          </a:p>
-          <a:p>
-            <a:r>
-              <a:rPr lang="vi-VN" dirty="0"/>
-              <a:t>Trong một thời điểm chỉ 1 thread có được </a:t>
-            </a:r>
-            <a:r>
-              <a:rPr lang="vi-VN" dirty="0" smtClean="0"/>
-              <a:t>khóa</a:t>
+          <a:bodyPr/>
+          <a:lstStyle/>
+          <a:p>
+            <a:r>
+              <a:rPr lang="en-US" dirty="0" err="1"/>
+              <a:t>Ví</a:t>
+            </a:r>
+            <a:r>
+              <a:rPr lang="en-US" dirty="0"/>
+              <a:t> </a:t>
+            </a:r>
+            <a:r>
+              <a:rPr lang="en-US" dirty="0" err="1"/>
+              <a:t>dụ</a:t>
+            </a:r>
+            <a:r>
+              <a:rPr lang="en-US" dirty="0"/>
+              <a:t> minh </a:t>
+            </a:r>
+            <a:r>
+              <a:rPr lang="en-US" dirty="0" err="1"/>
+              <a:t>họa</a:t>
+            </a:r>
+            <a:r>
+              <a:rPr lang="en-US" dirty="0"/>
+              <a:t> về </a:t>
+            </a:r>
+            <a:r>
+              <a:rPr lang="en-US" dirty="0" err="1"/>
+              <a:t>mất</a:t>
+            </a:r>
+            <a:r>
+              <a:rPr lang="en-US" dirty="0"/>
+              <a:t> </a:t>
+            </a:r>
+            <a:r>
+              <a:rPr lang="en-US" dirty="0" err="1"/>
+              <a:t>đồng</a:t>
+            </a:r>
+            <a:r>
+              <a:rPr lang="en-US" dirty="0"/>
+              <a:t> </a:t>
+            </a:r>
+            <a:r>
+              <a:rPr lang="en-US" dirty="0" err="1"/>
+              <a:t>bộ</a:t>
+            </a:r>
+            <a:r>
+              <a:rPr lang="en-US" dirty="0"/>
+              <a:t> </a:t>
+            </a:r>
+            <a:r>
+              <a:rPr lang="en-US" dirty="0" err="1"/>
+              <a:t>khi</a:t>
+            </a:r>
+            <a:r>
+              <a:rPr lang="en-US" dirty="0"/>
+              <a:t> 2 thread </a:t>
+            </a:r>
+            <a:r>
+              <a:rPr lang="en-US" dirty="0" err="1"/>
+              <a:t>cùng</a:t>
+            </a:r>
+            <a:r>
+              <a:rPr lang="en-US" dirty="0"/>
+              <a:t> </a:t>
+            </a:r>
+            <a:r>
+              <a:rPr lang="en-US" dirty="0" err="1"/>
+              <a:t>đọc</a:t>
+            </a:r>
+            <a:r>
+              <a:rPr lang="en-US" dirty="0"/>
+              <a:t> </a:t>
+            </a:r>
+            <a:r>
+              <a:rPr lang="en-US" dirty="0" err="1"/>
+              <a:t>ghi</a:t>
+            </a:r>
+            <a:r>
+              <a:rPr lang="en-US" dirty="0"/>
+              <a:t> </a:t>
+            </a:r>
+            <a:r>
+              <a:rPr lang="en-US" dirty="0" err="1"/>
+              <a:t>vào</a:t>
+            </a:r>
+            <a:r>
+              <a:rPr lang="en-US" dirty="0"/>
+              <a:t> 1 </a:t>
+            </a:r>
+            <a:r>
+              <a:rPr lang="en-US" dirty="0" err="1" smtClean="0"/>
+              <a:t>biến</a:t>
             </a:r>
             <a:endParaRPr lang="en-US" dirty="0" smtClean="0"/>
+          </a:p>
+          <a:p>
+            <a:r>
+              <a:rPr lang="en-US" dirty="0" err="1"/>
+              <a:t>Mất</a:t>
+            </a:r>
+            <a:r>
+              <a:rPr lang="en-US" dirty="0"/>
+              <a:t> </a:t>
+            </a:r>
+            <a:r>
+              <a:rPr lang="en-US" dirty="0" err="1"/>
+              <a:t>đồng</a:t>
+            </a:r>
+            <a:r>
+              <a:rPr lang="en-US" dirty="0"/>
+              <a:t> </a:t>
+            </a:r>
+            <a:r>
+              <a:rPr lang="en-US" dirty="0" err="1"/>
+              <a:t>bộ</a:t>
+            </a:r>
+            <a:r>
+              <a:rPr lang="en-US" dirty="0"/>
+              <a:t> </a:t>
+            </a:r>
+            <a:r>
+              <a:rPr lang="en-US" dirty="0" err="1"/>
+              <a:t>ghi</a:t>
+            </a:r>
+            <a:r>
+              <a:rPr lang="en-US" dirty="0"/>
+              <a:t> </a:t>
+            </a:r>
+            <a:r>
+              <a:rPr lang="en-US" dirty="0" err="1"/>
+              <a:t>đọc</a:t>
+            </a:r>
+            <a:r>
+              <a:rPr lang="en-US" dirty="0"/>
+              <a:t> </a:t>
+            </a:r>
+            <a:r>
+              <a:rPr lang="en-US" dirty="0" err="1"/>
+              <a:t>ghi</a:t>
+            </a:r>
+            <a:r>
+              <a:rPr lang="en-US" dirty="0"/>
+              <a:t> </a:t>
+            </a:r>
+            <a:r>
+              <a:rPr lang="en-US" dirty="0" err="1"/>
+              <a:t>vào</a:t>
+            </a:r>
+            <a:r>
+              <a:rPr lang="en-US" dirty="0"/>
+              <a:t> </a:t>
+            </a:r>
+            <a:r>
+              <a:rPr lang="en-US" dirty="0" err="1"/>
+              <a:t>mảng</a:t>
+            </a:r>
+            <a:r>
+              <a:rPr lang="en-US" dirty="0"/>
+              <a:t> và file</a:t>
+            </a:r>
           </a:p>
         </p:txBody>
       </p:sp>
@@ -8386,34 +8800,10 @@
           </a:p>
         </p:txBody>
       </p:sp>
-      <p:pic>
-        <p:nvPicPr>
-          <p:cNvPr id="6" name="Picture 5"/>
-          <p:cNvPicPr>
-            <a:picLocks noChangeAspect="1"/>
-          </p:cNvPicPr>
-          <p:nvPr/>
-        </p:nvPicPr>
-        <p:blipFill>
-          <a:blip r:embed="rId3"/>
-          <a:stretch>
-            <a:fillRect/>
-          </a:stretch>
-        </p:blipFill>
-        <p:spPr>
-          <a:xfrm>
-            <a:off x="2874889" y="2000544"/>
-            <a:ext cx="3004916" cy="2690518"/>
-          </a:xfrm>
-          <a:prstGeom prst="rect">
-            <a:avLst/>
-          </a:prstGeom>
-        </p:spPr>
-      </p:pic>
     </p:spTree>
     <p:extLst>
       <p:ext uri="{BB962C8B-B14F-4D97-AF65-F5344CB8AC3E}">
-        <p14:creationId xmlns:p14="http://schemas.microsoft.com/office/powerpoint/2010/main" val="1939544784"/>
+        <p14:creationId xmlns:p14="http://schemas.microsoft.com/office/powerpoint/2010/main" val="2179118515"/>
       </p:ext>
     </p:extLst>
   </p:cSld>
